--- a/Documentação/LLD/LLD.pptx
+++ b/Documentação/LLD/LLD.pptx
@@ -104,6 +104,11 @@
       </a:defRPr>
     </a:lvl9pPr>
   </p:defaultTextStyle>
+  <p:extLst>
+    <p:ext uri="{EFAFB233-063F-42B5-8137-9DF3F51BA10A}">
+      <p15:sldGuideLst xmlns:p15="http://schemas.microsoft.com/office/powerpoint/2012/main"/>
+    </p:ext>
+  </p:extLst>
 </p:presentation>
 </file>
 
@@ -254,7 +259,7 @@
           <a:p>
             <a:fld id="{BEA87F4E-7538-417F-96B3-6298DAC4B622}" type="datetimeFigureOut">
               <a:rPr lang="pt-BR" smtClean="0"/>
-              <a:t>22/08/2021</a:t>
+              <a:t>31/08/2021</a:t>
             </a:fld>
             <a:endParaRPr lang="pt-BR"/>
           </a:p>
@@ -452,7 +457,7 @@
           <a:p>
             <a:fld id="{BEA87F4E-7538-417F-96B3-6298DAC4B622}" type="datetimeFigureOut">
               <a:rPr lang="pt-BR" smtClean="0"/>
-              <a:t>22/08/2021</a:t>
+              <a:t>31/08/2021</a:t>
             </a:fld>
             <a:endParaRPr lang="pt-BR"/>
           </a:p>
@@ -660,7 +665,7 @@
           <a:p>
             <a:fld id="{BEA87F4E-7538-417F-96B3-6298DAC4B622}" type="datetimeFigureOut">
               <a:rPr lang="pt-BR" smtClean="0"/>
-              <a:t>22/08/2021</a:t>
+              <a:t>31/08/2021</a:t>
             </a:fld>
             <a:endParaRPr lang="pt-BR"/>
           </a:p>
@@ -858,7 +863,7 @@
           <a:p>
             <a:fld id="{BEA87F4E-7538-417F-96B3-6298DAC4B622}" type="datetimeFigureOut">
               <a:rPr lang="pt-BR" smtClean="0"/>
-              <a:t>22/08/2021</a:t>
+              <a:t>31/08/2021</a:t>
             </a:fld>
             <a:endParaRPr lang="pt-BR"/>
           </a:p>
@@ -1133,7 +1138,7 @@
           <a:p>
             <a:fld id="{BEA87F4E-7538-417F-96B3-6298DAC4B622}" type="datetimeFigureOut">
               <a:rPr lang="pt-BR" smtClean="0"/>
-              <a:t>22/08/2021</a:t>
+              <a:t>31/08/2021</a:t>
             </a:fld>
             <a:endParaRPr lang="pt-BR"/>
           </a:p>
@@ -1398,7 +1403,7 @@
           <a:p>
             <a:fld id="{BEA87F4E-7538-417F-96B3-6298DAC4B622}" type="datetimeFigureOut">
               <a:rPr lang="pt-BR" smtClean="0"/>
-              <a:t>22/08/2021</a:t>
+              <a:t>31/08/2021</a:t>
             </a:fld>
             <a:endParaRPr lang="pt-BR"/>
           </a:p>
@@ -1810,7 +1815,7 @@
           <a:p>
             <a:fld id="{BEA87F4E-7538-417F-96B3-6298DAC4B622}" type="datetimeFigureOut">
               <a:rPr lang="pt-BR" smtClean="0"/>
-              <a:t>22/08/2021</a:t>
+              <a:t>31/08/2021</a:t>
             </a:fld>
             <a:endParaRPr lang="pt-BR"/>
           </a:p>
@@ -1951,7 +1956,7 @@
           <a:p>
             <a:fld id="{BEA87F4E-7538-417F-96B3-6298DAC4B622}" type="datetimeFigureOut">
               <a:rPr lang="pt-BR" smtClean="0"/>
-              <a:t>22/08/2021</a:t>
+              <a:t>31/08/2021</a:t>
             </a:fld>
             <a:endParaRPr lang="pt-BR"/>
           </a:p>
@@ -2064,7 +2069,7 @@
           <a:p>
             <a:fld id="{BEA87F4E-7538-417F-96B3-6298DAC4B622}" type="datetimeFigureOut">
               <a:rPr lang="pt-BR" smtClean="0"/>
-              <a:t>22/08/2021</a:t>
+              <a:t>31/08/2021</a:t>
             </a:fld>
             <a:endParaRPr lang="pt-BR"/>
           </a:p>
@@ -2375,7 +2380,7 @@
           <a:p>
             <a:fld id="{BEA87F4E-7538-417F-96B3-6298DAC4B622}" type="datetimeFigureOut">
               <a:rPr lang="pt-BR" smtClean="0"/>
-              <a:t>22/08/2021</a:t>
+              <a:t>31/08/2021</a:t>
             </a:fld>
             <a:endParaRPr lang="pt-BR"/>
           </a:p>
@@ -2663,7 +2668,7 @@
           <a:p>
             <a:fld id="{BEA87F4E-7538-417F-96B3-6298DAC4B622}" type="datetimeFigureOut">
               <a:rPr lang="pt-BR" smtClean="0"/>
-              <a:t>22/08/2021</a:t>
+              <a:t>31/08/2021</a:t>
             </a:fld>
             <a:endParaRPr lang="pt-BR"/>
           </a:p>
@@ -2904,7 +2909,7 @@
           <a:p>
             <a:fld id="{BEA87F4E-7538-417F-96B3-6298DAC4B622}" type="datetimeFigureOut">
               <a:rPr lang="pt-BR" smtClean="0"/>
-              <a:t>22/08/2021</a:t>
+              <a:t>31/08/2021</a:t>
             </a:fld>
             <a:endParaRPr lang="pt-BR"/>
           </a:p>
@@ -3310,9 +3315,7 @@
     <p:bg>
       <p:bgPr>
         <a:solidFill>
-          <a:schemeClr val="bg2">
-            <a:lumMod val="75000"/>
-          </a:schemeClr>
+          <a:srgbClr val="D8E3E7"/>
         </a:solidFill>
         <a:effectLst/>
       </p:bgPr>
@@ -3331,32 +3334,68 @@
           <a:chExt cx="0" cy="0"/>
         </a:xfrm>
       </p:grpSpPr>
-      <p:sp>
-        <p:nvSpPr>
-          <p:cNvPr id="4" name="Retângulo 3">
-            <a:extLst>
-              <a:ext uri="{FF2B5EF4-FFF2-40B4-BE49-F238E27FC236}">
-                <a16:creationId xmlns:a16="http://schemas.microsoft.com/office/drawing/2014/main" id="{04681E6D-E9DC-46E9-AEE4-FE697BDCDC66}"/>
-              </a:ext>
-            </a:extLst>
-          </p:cNvPr>
-          <p:cNvSpPr/>
+      <p:pic>
+        <p:nvPicPr>
+          <p:cNvPr id="18" name="Imagem 17" descr="Imagem em preto e branco&#10;&#10;Descrição gerada automaticamente">
+            <a:extLst>
+              <a:ext uri="{FF2B5EF4-FFF2-40B4-BE49-F238E27FC236}">
+                <a16:creationId xmlns:a16="http://schemas.microsoft.com/office/drawing/2014/main" id="{55AB55CF-CE8A-4C75-8FC1-707CF707A2C2}"/>
+              </a:ext>
+            </a:extLst>
+          </p:cNvPr>
+          <p:cNvPicPr>
+            <a:picLocks noChangeAspect="1"/>
+          </p:cNvPicPr>
           <p:nvPr/>
-        </p:nvSpPr>
+        </p:nvPicPr>
+        <p:blipFill>
+          <a:blip r:embed="rId2">
+            <a:extLst>
+              <a:ext uri="{28A0092B-C50C-407E-A947-70E740481C1C}">
+                <a14:useLocalDpi xmlns:a14="http://schemas.microsoft.com/office/drawing/2010/main" val="0"/>
+              </a:ext>
+            </a:extLst>
+          </a:blip>
+          <a:stretch>
+            <a:fillRect/>
+          </a:stretch>
+        </p:blipFill>
         <p:spPr>
-          <a:xfrm>
-            <a:off x="324966" y="222983"/>
-            <a:ext cx="3276650" cy="6313111"/>
+          <a:xfrm rot="10800000" flipV="1">
+            <a:off x="2656172" y="4761516"/>
+            <a:ext cx="416864" cy="272505"/>
           </a:xfrm>
           <a:prstGeom prst="rect">
             <a:avLst/>
           </a:prstGeom>
-          <a:solidFill>
-            <a:schemeClr val="bg1"/>
-          </a:solidFill>
-          <a:ln>
+        </p:spPr>
+      </p:pic>
+      <p:sp>
+        <p:nvSpPr>
+          <p:cNvPr id="27" name="Retângulo 26">
+            <a:extLst>
+              <a:ext uri="{FF2B5EF4-FFF2-40B4-BE49-F238E27FC236}">
+                <a16:creationId xmlns:a16="http://schemas.microsoft.com/office/drawing/2014/main" id="{B6D6C431-51ED-4DA0-AD95-15C0521CBAA1}"/>
+              </a:ext>
+            </a:extLst>
+          </p:cNvPr>
+          <p:cNvSpPr/>
+          <p:nvPr/>
+        </p:nvSpPr>
+        <p:spPr>
+          <a:xfrm rot="5400000">
+            <a:off x="6642358" y="1450433"/>
+            <a:ext cx="3276650" cy="6894672"/>
+          </a:xfrm>
+          <a:prstGeom prst="rect">
+            <a:avLst/>
+          </a:prstGeom>
+          <a:noFill/>
+          <a:ln w="38100">
             <a:solidFill>
-              <a:schemeClr val="bg1"/>
+              <a:schemeClr val="bg1">
+                <a:lumMod val="50000"/>
+              </a:schemeClr>
             </a:solidFill>
           </a:ln>
         </p:spPr>
@@ -3387,10 +3426,10 @@
       </p:sp>
       <p:sp>
         <p:nvSpPr>
-          <p:cNvPr id="5" name="CaixaDeTexto 4">
-            <a:extLst>
-              <a:ext uri="{FF2B5EF4-FFF2-40B4-BE49-F238E27FC236}">
-                <a16:creationId xmlns:a16="http://schemas.microsoft.com/office/drawing/2014/main" id="{E673DCDB-FFB2-436D-89A6-2511F800379A}"/>
+          <p:cNvPr id="24" name="CaixaDeTexto 23">
+            <a:extLst>
+              <a:ext uri="{FF2B5EF4-FFF2-40B4-BE49-F238E27FC236}">
+                <a16:creationId xmlns:a16="http://schemas.microsoft.com/office/drawing/2014/main" id="{FA0582DC-D7C7-42A5-8A95-516056F9002D}"/>
               </a:ext>
             </a:extLst>
           </p:cNvPr>
@@ -3399,8 +3438,8 @@
         </p:nvSpPr>
         <p:spPr>
           <a:xfrm>
-            <a:off x="324966" y="545903"/>
-            <a:ext cx="3276650" cy="369332"/>
+            <a:off x="4842590" y="3685592"/>
+            <a:ext cx="6894672" cy="369332"/>
           </a:xfrm>
           <a:prstGeom prst="rect">
             <a:avLst/>
@@ -3416,365 +3455,17 @@
             <a:pPr algn="ctr"/>
             <a:r>
               <a:rPr lang="pt-BR" dirty="0"/>
-              <a:t>Usuário aciona o serviço</a:t>
-            </a:r>
-          </a:p>
-        </p:txBody>
-      </p:sp>
-      <p:pic>
-        <p:nvPicPr>
-          <p:cNvPr id="1028" name="Picture 4" descr="ícone Computador Livre de Internet Icons">
-            <a:extLst>
-              <a:ext uri="{FF2B5EF4-FFF2-40B4-BE49-F238E27FC236}">
-                <a16:creationId xmlns:a16="http://schemas.microsoft.com/office/drawing/2014/main" id="{52682E81-8BA1-4796-A4CA-136E60073234}"/>
-              </a:ext>
-            </a:extLst>
-          </p:cNvPr>
-          <p:cNvPicPr>
-            <a:picLocks noChangeAspect="1" noChangeArrowheads="1"/>
-          </p:cNvPicPr>
-          <p:nvPr/>
-        </p:nvPicPr>
-        <p:blipFill>
-          <a:blip r:embed="rId2">
-            <a:extLst>
-              <a:ext uri="{28A0092B-C50C-407E-A947-70E740481C1C}">
-                <a14:useLocalDpi xmlns:a14="http://schemas.microsoft.com/office/drawing/2010/main" val="0"/>
-              </a:ext>
-            </a:extLst>
-          </a:blip>
-          <a:srcRect/>
-          <a:stretch>
-            <a:fillRect/>
-          </a:stretch>
-        </p:blipFill>
-        <p:spPr bwMode="auto">
-          <a:xfrm>
-            <a:off x="995969" y="915235"/>
-            <a:ext cx="1934644" cy="1934644"/>
-          </a:xfrm>
-          <a:prstGeom prst="rect">
-            <a:avLst/>
-          </a:prstGeom>
-          <a:noFill/>
-          <a:extLst>
-            <a:ext uri="{909E8E84-426E-40DD-AFC4-6F175D3DCCD1}">
-              <a14:hiddenFill xmlns:a14="http://schemas.microsoft.com/office/drawing/2010/main">
-                <a:solidFill>
-                  <a:srgbClr val="FFFFFF"/>
-                </a:solidFill>
-              </a14:hiddenFill>
-            </a:ext>
-          </a:extLst>
-        </p:spPr>
-      </p:pic>
-      <p:pic>
-        <p:nvPicPr>
-          <p:cNvPr id="1030" name="Picture 6" descr="Reparação de carro serviços oficina mecânica Stick figura pictograma ícones.  350040 Vetor no Vecteezy">
-            <a:extLst>
-              <a:ext uri="{FF2B5EF4-FFF2-40B4-BE49-F238E27FC236}">
-                <a16:creationId xmlns:a16="http://schemas.microsoft.com/office/drawing/2014/main" id="{BEBE15D2-D98B-428D-BC91-DDD61DEAA2A6}"/>
-              </a:ext>
-            </a:extLst>
-          </p:cNvPr>
-          <p:cNvPicPr>
-            <a:picLocks noChangeAspect="1" noChangeArrowheads="1"/>
-          </p:cNvPicPr>
-          <p:nvPr/>
-        </p:nvPicPr>
-        <p:blipFill>
-          <a:blip r:embed="rId3">
-            <a:extLst>
-              <a:ext uri="{28A0092B-C50C-407E-A947-70E740481C1C}">
-                <a14:useLocalDpi xmlns:a14="http://schemas.microsoft.com/office/drawing/2010/main" val="0"/>
-              </a:ext>
-            </a:extLst>
-          </a:blip>
-          <a:srcRect/>
-          <a:stretch>
-            <a:fillRect/>
-          </a:stretch>
-        </p:blipFill>
-        <p:spPr bwMode="auto">
-          <a:xfrm>
-            <a:off x="1317492" y="1284567"/>
-            <a:ext cx="949876" cy="690315"/>
-          </a:xfrm>
-          <a:prstGeom prst="rect">
-            <a:avLst/>
-          </a:prstGeom>
-          <a:noFill/>
-          <a:extLst>
-            <a:ext uri="{909E8E84-426E-40DD-AFC4-6F175D3DCCD1}">
-              <a14:hiddenFill xmlns:a14="http://schemas.microsoft.com/office/drawing/2010/main">
-                <a:solidFill>
-                  <a:srgbClr val="FFFFFF"/>
-                </a:solidFill>
-              </a14:hiddenFill>
-            </a:ext>
-          </a:extLst>
-        </p:spPr>
-      </p:pic>
-      <p:pic>
-        <p:nvPicPr>
-          <p:cNvPr id="9" name="Picture 6" descr="Reparação de carro serviços oficina mecânica Stick figura pictograma ícones.  350040 Vetor no Vecteezy">
-            <a:extLst>
-              <a:ext uri="{FF2B5EF4-FFF2-40B4-BE49-F238E27FC236}">
-                <a16:creationId xmlns:a16="http://schemas.microsoft.com/office/drawing/2014/main" id="{7BC432C2-8499-4012-A806-02983B728E77}"/>
-              </a:ext>
-            </a:extLst>
-          </p:cNvPr>
-          <p:cNvPicPr>
-            <a:picLocks noChangeAspect="1" noChangeArrowheads="1"/>
-          </p:cNvPicPr>
-          <p:nvPr/>
-        </p:nvPicPr>
-        <p:blipFill>
-          <a:blip r:embed="rId3">
-            <a:extLst>
-              <a:ext uri="{28A0092B-C50C-407E-A947-70E740481C1C}">
-                <a14:useLocalDpi xmlns:a14="http://schemas.microsoft.com/office/drawing/2010/main" val="0"/>
-              </a:ext>
-            </a:extLst>
-          </a:blip>
-          <a:srcRect/>
-          <a:stretch>
-            <a:fillRect/>
-          </a:stretch>
-        </p:blipFill>
-        <p:spPr bwMode="auto">
-          <a:xfrm>
-            <a:off x="2399145" y="1566509"/>
-            <a:ext cx="400305" cy="690315"/>
-          </a:xfrm>
-          <a:prstGeom prst="rect">
-            <a:avLst/>
-          </a:prstGeom>
-          <a:noFill/>
-          <a:extLst>
-            <a:ext uri="{909E8E84-426E-40DD-AFC4-6F175D3DCCD1}">
-              <a14:hiddenFill xmlns:a14="http://schemas.microsoft.com/office/drawing/2010/main">
-                <a:solidFill>
-                  <a:srgbClr val="FFFFFF"/>
-                </a:solidFill>
-              </a14:hiddenFill>
-            </a:ext>
-          </a:extLst>
-        </p:spPr>
-      </p:pic>
-      <p:cxnSp>
-        <p:nvCxnSpPr>
-          <p:cNvPr id="10" name="Conector de Seta Reta 9">
-            <a:extLst>
-              <a:ext uri="{FF2B5EF4-FFF2-40B4-BE49-F238E27FC236}">
-                <a16:creationId xmlns:a16="http://schemas.microsoft.com/office/drawing/2014/main" id="{D761AB50-A42D-4338-8190-782C196A3997}"/>
-              </a:ext>
-            </a:extLst>
-          </p:cNvPr>
-          <p:cNvCxnSpPr>
-            <a:cxnSpLocks/>
-          </p:cNvCxnSpPr>
-          <p:nvPr/>
-        </p:nvCxnSpPr>
-        <p:spPr>
-          <a:xfrm>
-            <a:off x="1792430" y="2771192"/>
-            <a:ext cx="0" cy="802433"/>
-          </a:xfrm>
-          <a:prstGeom prst="straightConnector1">
-            <a:avLst/>
-          </a:prstGeom>
-          <a:ln>
-            <a:tailEnd type="triangle"/>
-          </a:ln>
-        </p:spPr>
-        <p:style>
-          <a:lnRef idx="3">
-            <a:schemeClr val="dk1"/>
-          </a:lnRef>
-          <a:fillRef idx="0">
-            <a:schemeClr val="dk1"/>
-          </a:fillRef>
-          <a:effectRef idx="2">
-            <a:schemeClr val="dk1"/>
-          </a:effectRef>
-          <a:fontRef idx="minor">
-            <a:schemeClr val="tx1"/>
-          </a:fontRef>
-        </p:style>
-      </p:cxnSp>
-      <p:sp>
-        <p:nvSpPr>
-          <p:cNvPr id="12" name="CaixaDeTexto 11">
-            <a:extLst>
-              <a:ext uri="{FF2B5EF4-FFF2-40B4-BE49-F238E27FC236}">
-                <a16:creationId xmlns:a16="http://schemas.microsoft.com/office/drawing/2014/main" id="{3A62531A-E4EA-4257-9C15-F0F909211FE2}"/>
-              </a:ext>
-            </a:extLst>
-          </p:cNvPr>
-          <p:cNvSpPr txBox="1"/>
-          <p:nvPr/>
-        </p:nvSpPr>
-        <p:spPr>
-          <a:xfrm>
-            <a:off x="324966" y="3778898"/>
-            <a:ext cx="3276650" cy="369332"/>
-          </a:xfrm>
-          <a:prstGeom prst="rect">
-            <a:avLst/>
-          </a:prstGeom>
-          <a:noFill/>
-        </p:spPr>
-        <p:txBody>
-          <a:bodyPr wrap="square" rtlCol="0">
-            <a:spAutoFit/>
-          </a:bodyPr>
-          <a:lstStyle/>
-          <a:p>
-            <a:pPr algn="ctr"/>
-            <a:r>
-              <a:rPr lang="pt-BR" dirty="0"/>
-              <a:t>API e framework usado</a:t>
-            </a:r>
-          </a:p>
-        </p:txBody>
-      </p:sp>
-      <p:pic>
-        <p:nvPicPr>
-          <p:cNvPr id="1032" name="Picture 8" descr="Mapas do google - ícones de marcas e logotipos grátis">
-            <a:extLst>
-              <a:ext uri="{FF2B5EF4-FFF2-40B4-BE49-F238E27FC236}">
-                <a16:creationId xmlns:a16="http://schemas.microsoft.com/office/drawing/2014/main" id="{4A8ABB83-3E98-431A-84DE-E16AFA383A0A}"/>
-              </a:ext>
-            </a:extLst>
-          </p:cNvPr>
-          <p:cNvPicPr>
-            <a:picLocks noChangeAspect="1" noChangeArrowheads="1"/>
-          </p:cNvPicPr>
-          <p:nvPr/>
-        </p:nvPicPr>
-        <p:blipFill>
-          <a:blip r:embed="rId4">
-            <a:extLst>
-              <a:ext uri="{28A0092B-C50C-407E-A947-70E740481C1C}">
-                <a14:useLocalDpi xmlns:a14="http://schemas.microsoft.com/office/drawing/2010/main" val="0"/>
-              </a:ext>
-            </a:extLst>
-          </a:blip>
-          <a:srcRect/>
-          <a:stretch>
-            <a:fillRect/>
-          </a:stretch>
-        </p:blipFill>
-        <p:spPr bwMode="auto">
-          <a:xfrm>
-            <a:off x="575515" y="4270600"/>
-            <a:ext cx="1071562" cy="1071562"/>
-          </a:xfrm>
-          <a:prstGeom prst="rect">
-            <a:avLst/>
-          </a:prstGeom>
-          <a:noFill/>
-          <a:extLst>
-            <a:ext uri="{909E8E84-426E-40DD-AFC4-6F175D3DCCD1}">
-              <a14:hiddenFill xmlns:a14="http://schemas.microsoft.com/office/drawing/2010/main">
-                <a:solidFill>
-                  <a:srgbClr val="FFFFFF"/>
-                </a:solidFill>
-              </a14:hiddenFill>
-            </a:ext>
-          </a:extLst>
-        </p:spPr>
-      </p:pic>
-      <p:pic>
-        <p:nvPicPr>
-          <p:cNvPr id="1034" name="Picture 10" descr="Spring | VMware Tanzu Developer Center">
-            <a:extLst>
-              <a:ext uri="{FF2B5EF4-FFF2-40B4-BE49-F238E27FC236}">
-                <a16:creationId xmlns:a16="http://schemas.microsoft.com/office/drawing/2014/main" id="{A9949A36-6136-4F56-9695-724FAE7BB440}"/>
-              </a:ext>
-            </a:extLst>
-          </p:cNvPr>
-          <p:cNvPicPr>
-            <a:picLocks noChangeAspect="1" noChangeArrowheads="1"/>
-          </p:cNvPicPr>
-          <p:nvPr/>
-        </p:nvPicPr>
-        <p:blipFill>
-          <a:blip r:embed="rId5">
-            <a:extLst>
-              <a:ext uri="{28A0092B-C50C-407E-A947-70E740481C1C}">
-                <a14:useLocalDpi xmlns:a14="http://schemas.microsoft.com/office/drawing/2010/main" val="0"/>
-              </a:ext>
-            </a:extLst>
-          </a:blip>
-          <a:srcRect/>
-          <a:stretch>
-            <a:fillRect/>
-          </a:stretch>
-        </p:blipFill>
-        <p:spPr bwMode="auto">
-          <a:xfrm>
-            <a:off x="2112946" y="4369460"/>
-            <a:ext cx="972702" cy="972702"/>
-          </a:xfrm>
-          <a:prstGeom prst="rect">
-            <a:avLst/>
-          </a:prstGeom>
-          <a:noFill/>
-          <a:extLst>
-            <a:ext uri="{909E8E84-426E-40DD-AFC4-6F175D3DCCD1}">
-              <a14:hiddenFill xmlns:a14="http://schemas.microsoft.com/office/drawing/2010/main">
-                <a:solidFill>
-                  <a:srgbClr val="FFFFFF"/>
-                </a:solidFill>
-              </a14:hiddenFill>
-            </a:ext>
-          </a:extLst>
-        </p:spPr>
-      </p:pic>
-      <p:pic>
-        <p:nvPicPr>
-          <p:cNvPr id="18" name="Imagem 17" descr="Imagem em preto e branco&#10;&#10;Descrição gerada automaticamente">
-            <a:extLst>
-              <a:ext uri="{FF2B5EF4-FFF2-40B4-BE49-F238E27FC236}">
-                <a16:creationId xmlns:a16="http://schemas.microsoft.com/office/drawing/2014/main" id="{55AB55CF-CE8A-4C75-8FC1-707CF707A2C2}"/>
-              </a:ext>
-            </a:extLst>
-          </p:cNvPr>
-          <p:cNvPicPr>
-            <a:picLocks noChangeAspect="1"/>
-          </p:cNvPicPr>
-          <p:nvPr/>
-        </p:nvPicPr>
-        <p:blipFill>
-          <a:blip r:embed="rId6">
-            <a:extLst>
-              <a:ext uri="{28A0092B-C50C-407E-A947-70E740481C1C}">
-                <a14:useLocalDpi xmlns:a14="http://schemas.microsoft.com/office/drawing/2010/main" val="0"/>
-              </a:ext>
-            </a:extLst>
-          </a:blip>
-          <a:stretch>
-            <a:fillRect/>
-          </a:stretch>
-        </p:blipFill>
-        <p:spPr>
-          <a:xfrm rot="10800000" flipV="1">
-            <a:off x="4106115" y="4806381"/>
-            <a:ext cx="416864" cy="272505"/>
-          </a:xfrm>
-          <a:prstGeom prst="rect">
-            <a:avLst/>
-          </a:prstGeom>
-        </p:spPr>
-      </p:pic>
-      <p:sp>
-        <p:nvSpPr>
-          <p:cNvPr id="27" name="Retângulo 26">
-            <a:extLst>
-              <a:ext uri="{FF2B5EF4-FFF2-40B4-BE49-F238E27FC236}">
-                <a16:creationId xmlns:a16="http://schemas.microsoft.com/office/drawing/2014/main" id="{B6D6C431-51ED-4DA0-AD95-15C0521CBAA1}"/>
+              <a:t>Aplicação Web</a:t>
+            </a:r>
+          </a:p>
+        </p:txBody>
+      </p:sp>
+      <p:sp>
+        <p:nvSpPr>
+          <p:cNvPr id="61" name="Retângulo 60">
+            <a:extLst>
+              <a:ext uri="{FF2B5EF4-FFF2-40B4-BE49-F238E27FC236}">
+                <a16:creationId xmlns:a16="http://schemas.microsoft.com/office/drawing/2014/main" id="{A491F5BF-8924-43D4-98FF-443D097D1024}"/>
               </a:ext>
             </a:extLst>
           </p:cNvPr>
@@ -3783,18 +3474,20 @@
         </p:nvSpPr>
         <p:spPr>
           <a:xfrm rot="5400000">
-            <a:off x="6642358" y="1450433"/>
-            <a:ext cx="3276650" cy="6894672"/>
+            <a:off x="7924004" y="-1115515"/>
+            <a:ext cx="2258605" cy="4981985"/>
           </a:xfrm>
           <a:prstGeom prst="rect">
             <a:avLst/>
           </a:prstGeom>
           <a:solidFill>
-            <a:schemeClr val="bg1"/>
+            <a:srgbClr val="D8E3E7"/>
           </a:solidFill>
-          <a:ln>
+          <a:ln w="38100">
             <a:solidFill>
-              <a:schemeClr val="bg1"/>
+              <a:schemeClr val="bg1">
+                <a:lumMod val="50000"/>
+              </a:schemeClr>
             </a:solidFill>
           </a:ln>
         </p:spPr>
@@ -3825,28 +3518,25 @@
       </p:sp>
       <p:cxnSp>
         <p:nvCxnSpPr>
-          <p:cNvPr id="20" name="Conector de Seta Reta 19">
-            <a:extLst>
-              <a:ext uri="{FF2B5EF4-FFF2-40B4-BE49-F238E27FC236}">
-                <a16:creationId xmlns:a16="http://schemas.microsoft.com/office/drawing/2014/main" id="{A9E08689-B462-4BEA-988F-CBD44242D471}"/>
-              </a:ext>
-            </a:extLst>
-          </p:cNvPr>
-          <p:cNvCxnSpPr>
-            <a:cxnSpLocks/>
-          </p:cNvCxnSpPr>
+          <p:cNvPr id="45" name="Conector de Seta Reta 44">
+            <a:extLst>
+              <a:ext uri="{FF2B5EF4-FFF2-40B4-BE49-F238E27FC236}">
+                <a16:creationId xmlns:a16="http://schemas.microsoft.com/office/drawing/2014/main" id="{F39E73AD-A520-4512-A768-BB8D3951C8F6}"/>
+              </a:ext>
+            </a:extLst>
+          </p:cNvPr>
+          <p:cNvCxnSpPr/>
           <p:nvPr/>
         </p:nvCxnSpPr>
         <p:spPr>
-          <a:xfrm>
-            <a:off x="3775737" y="5253134"/>
-            <a:ext cx="954883" cy="0"/>
+          <a:xfrm flipV="1">
+            <a:off x="9734985" y="2615430"/>
+            <a:ext cx="0" cy="514368"/>
           </a:xfrm>
           <a:prstGeom prst="straightConnector1">
             <a:avLst/>
           </a:prstGeom>
           <a:ln>
-            <a:headEnd type="triangle"/>
             <a:tailEnd type="triangle"/>
           </a:ln>
         </p:spPr>
@@ -3867,10 +3557,10 @@
       </p:cxnSp>
       <p:sp>
         <p:nvSpPr>
-          <p:cNvPr id="21" name="CaixaDeTexto 20">
-            <a:extLst>
-              <a:ext uri="{FF2B5EF4-FFF2-40B4-BE49-F238E27FC236}">
-                <a16:creationId xmlns:a16="http://schemas.microsoft.com/office/drawing/2014/main" id="{F142AD8F-40AD-4653-BEE2-9242CCBEC805}"/>
+          <p:cNvPr id="71" name="CaixaDeTexto 70">
+            <a:extLst>
+              <a:ext uri="{FF2B5EF4-FFF2-40B4-BE49-F238E27FC236}">
+                <a16:creationId xmlns:a16="http://schemas.microsoft.com/office/drawing/2014/main" id="{EBE3145C-046D-423C-8B14-4BDC0B43C532}"/>
               </a:ext>
             </a:extLst>
           </p:cNvPr>
@@ -3879,8 +3569,8 @@
         </p:nvSpPr>
         <p:spPr>
           <a:xfrm>
-            <a:off x="4842588" y="3685592"/>
-            <a:ext cx="3554964" cy="369332"/>
+            <a:off x="6746033" y="358508"/>
+            <a:ext cx="4981984" cy="369332"/>
           </a:xfrm>
           <a:prstGeom prst="rect">
             <a:avLst/>
@@ -3896,17 +3586,595 @@
             <a:pPr algn="ctr"/>
             <a:r>
               <a:rPr lang="pt-BR" dirty="0"/>
-              <a:t>Servidor da aplicação</a:t>
+              <a:t>(Site institucional)</a:t>
             </a:r>
           </a:p>
         </p:txBody>
       </p:sp>
       <p:pic>
         <p:nvPicPr>
-          <p:cNvPr id="1042" name="Picture 18" descr="ícone Microsoft, azure, logo Livre de Vector Logo">
-            <a:extLst>
-              <a:ext uri="{FF2B5EF4-FFF2-40B4-BE49-F238E27FC236}">
-                <a16:creationId xmlns:a16="http://schemas.microsoft.com/office/drawing/2014/main" id="{FDE2F830-659F-418D-8844-F341BD82940D}"/>
+          <p:cNvPr id="33" name="Imagem 32" descr="Imagem em preto e branco&#10;&#10;Descrição gerada automaticamente">
+            <a:extLst>
+              <a:ext uri="{FF2B5EF4-FFF2-40B4-BE49-F238E27FC236}">
+                <a16:creationId xmlns:a16="http://schemas.microsoft.com/office/drawing/2014/main" id="{C357463F-3980-4149-A068-2DEEACC1C67E}"/>
+              </a:ext>
+            </a:extLst>
+          </p:cNvPr>
+          <p:cNvPicPr>
+            <a:picLocks noChangeAspect="1"/>
+          </p:cNvPicPr>
+          <p:nvPr/>
+        </p:nvPicPr>
+        <p:blipFill>
+          <a:blip r:embed="rId2">
+            <a:extLst>
+              <a:ext uri="{28A0092B-C50C-407E-A947-70E740481C1C}">
+                <a14:useLocalDpi xmlns:a14="http://schemas.microsoft.com/office/drawing/2010/main" val="0"/>
+              </a:ext>
+            </a:extLst>
+          </a:blip>
+          <a:stretch>
+            <a:fillRect/>
+          </a:stretch>
+        </p:blipFill>
+        <p:spPr>
+          <a:xfrm rot="10800000" flipV="1">
+            <a:off x="9838947" y="2687608"/>
+            <a:ext cx="517068" cy="338009"/>
+          </a:xfrm>
+          <a:prstGeom prst="rect">
+            <a:avLst/>
+          </a:prstGeom>
+        </p:spPr>
+      </p:pic>
+      <p:sp>
+        <p:nvSpPr>
+          <p:cNvPr id="6" name="Retângulo 5">
+            <a:extLst>
+              <a:ext uri="{FF2B5EF4-FFF2-40B4-BE49-F238E27FC236}">
+                <a16:creationId xmlns:a16="http://schemas.microsoft.com/office/drawing/2014/main" id="{36B462AC-722D-4978-B567-A35A12ED37AC}"/>
+              </a:ext>
+            </a:extLst>
+          </p:cNvPr>
+          <p:cNvSpPr/>
+          <p:nvPr/>
+        </p:nvSpPr>
+        <p:spPr>
+          <a:xfrm>
+            <a:off x="8529843" y="1025683"/>
+            <a:ext cx="1074485" cy="1136492"/>
+          </a:xfrm>
+          <a:prstGeom prst="rect">
+            <a:avLst/>
+          </a:prstGeom>
+          <a:solidFill>
+            <a:srgbClr val="D8E3E7"/>
+          </a:solidFill>
+          <a:ln w="38100"/>
+        </p:spPr>
+        <p:style>
+          <a:lnRef idx="2">
+            <a:schemeClr val="dk1"/>
+          </a:lnRef>
+          <a:fillRef idx="1">
+            <a:schemeClr val="lt1"/>
+          </a:fillRef>
+          <a:effectRef idx="0">
+            <a:schemeClr val="dk1"/>
+          </a:effectRef>
+          <a:fontRef idx="minor">
+            <a:schemeClr val="dk1"/>
+          </a:fontRef>
+        </p:style>
+        <p:txBody>
+          <a:bodyPr rtlCol="0" anchor="ctr"/>
+          <a:lstStyle/>
+          <a:p>
+            <a:pPr algn="ctr"/>
+            <a:endParaRPr lang="pt-BR" sz="900" dirty="0"/>
+          </a:p>
+        </p:txBody>
+      </p:sp>
+      <p:pic>
+        <p:nvPicPr>
+          <p:cNvPr id="11" name="Imagem 10" descr="Desenho de animal com fundo preto&#10;&#10;Descrição gerada automaticamente com confiança média">
+            <a:extLst>
+              <a:ext uri="{FF2B5EF4-FFF2-40B4-BE49-F238E27FC236}">
+                <a16:creationId xmlns:a16="http://schemas.microsoft.com/office/drawing/2014/main" id="{71F252B5-665F-4DFE-B44E-9D1526ED3232}"/>
+              </a:ext>
+            </a:extLst>
+          </p:cNvPr>
+          <p:cNvPicPr>
+            <a:picLocks noChangeAspect="1"/>
+          </p:cNvPicPr>
+          <p:nvPr/>
+        </p:nvPicPr>
+        <p:blipFill>
+          <a:blip r:embed="rId3">
+            <a:extLst>
+              <a:ext uri="{28A0092B-C50C-407E-A947-70E740481C1C}">
+                <a14:useLocalDpi xmlns:a14="http://schemas.microsoft.com/office/drawing/2010/main" val="0"/>
+              </a:ext>
+            </a:extLst>
+          </a:blip>
+          <a:stretch>
+            <a:fillRect/>
+          </a:stretch>
+        </p:blipFill>
+        <p:spPr>
+          <a:xfrm>
+            <a:off x="195351" y="1025683"/>
+            <a:ext cx="3507519" cy="1936443"/>
+          </a:xfrm>
+          <a:prstGeom prst="rect">
+            <a:avLst/>
+          </a:prstGeom>
+        </p:spPr>
+      </p:pic>
+      <p:pic>
+        <p:nvPicPr>
+          <p:cNvPr id="14" name="Imagem 13" descr="Interface gráfica do usuário, Texto&#10;&#10;Descrição gerada automaticamente">
+            <a:extLst>
+              <a:ext uri="{FF2B5EF4-FFF2-40B4-BE49-F238E27FC236}">
+                <a16:creationId xmlns:a16="http://schemas.microsoft.com/office/drawing/2014/main" id="{62613B6A-02F3-4366-BF41-F44C9E29D2AE}"/>
+              </a:ext>
+            </a:extLst>
+          </p:cNvPr>
+          <p:cNvPicPr>
+            <a:picLocks noChangeAspect="1"/>
+          </p:cNvPicPr>
+          <p:nvPr/>
+        </p:nvPicPr>
+        <p:blipFill>
+          <a:blip r:embed="rId4">
+            <a:extLst>
+              <a:ext uri="{28A0092B-C50C-407E-A947-70E740481C1C}">
+                <a14:useLocalDpi xmlns:a14="http://schemas.microsoft.com/office/drawing/2010/main" val="0"/>
+              </a:ext>
+            </a:extLst>
+          </a:blip>
+          <a:stretch>
+            <a:fillRect/>
+          </a:stretch>
+        </p:blipFill>
+        <p:spPr>
+          <a:xfrm>
+            <a:off x="884163" y="1779500"/>
+            <a:ext cx="1440048" cy="725280"/>
+          </a:xfrm>
+          <a:prstGeom prst="rect">
+            <a:avLst/>
+          </a:prstGeom>
+        </p:spPr>
+      </p:pic>
+      <p:pic>
+        <p:nvPicPr>
+          <p:cNvPr id="19" name="Imagem 18" descr="Uma imagem contendo Logotipo&#10;&#10;Descrição gerada automaticamente">
+            <a:extLst>
+              <a:ext uri="{FF2B5EF4-FFF2-40B4-BE49-F238E27FC236}">
+                <a16:creationId xmlns:a16="http://schemas.microsoft.com/office/drawing/2014/main" id="{8B08D7F3-8165-4EEA-9358-4D73B252322A}"/>
+              </a:ext>
+            </a:extLst>
+          </p:cNvPr>
+          <p:cNvPicPr>
+            <a:picLocks noChangeAspect="1"/>
+          </p:cNvPicPr>
+          <p:nvPr/>
+        </p:nvPicPr>
+        <p:blipFill>
+          <a:blip r:embed="rId5">
+            <a:extLst>
+              <a:ext uri="{28A0092B-C50C-407E-A947-70E740481C1C}">
+                <a14:useLocalDpi xmlns:a14="http://schemas.microsoft.com/office/drawing/2010/main" val="0"/>
+              </a:ext>
+            </a:extLst>
+          </a:blip>
+          <a:stretch>
+            <a:fillRect/>
+          </a:stretch>
+        </p:blipFill>
+        <p:spPr>
+          <a:xfrm>
+            <a:off x="2317587" y="1993904"/>
+            <a:ext cx="878093" cy="500062"/>
+          </a:xfrm>
+          <a:prstGeom prst="rect">
+            <a:avLst/>
+          </a:prstGeom>
+        </p:spPr>
+      </p:pic>
+      <p:sp>
+        <p:nvSpPr>
+          <p:cNvPr id="22" name="CaixaDeTexto 21">
+            <a:extLst>
+              <a:ext uri="{FF2B5EF4-FFF2-40B4-BE49-F238E27FC236}">
+                <a16:creationId xmlns:a16="http://schemas.microsoft.com/office/drawing/2014/main" id="{AA9A5AEA-31C1-4188-ACD6-165D8268A5ED}"/>
+              </a:ext>
+            </a:extLst>
+          </p:cNvPr>
+          <p:cNvSpPr txBox="1"/>
+          <p:nvPr/>
+        </p:nvSpPr>
+        <p:spPr>
+          <a:xfrm>
+            <a:off x="8546669" y="1136444"/>
+            <a:ext cx="1159320" cy="830997"/>
+          </a:xfrm>
+          <a:prstGeom prst="rect">
+            <a:avLst/>
+          </a:prstGeom>
+          <a:noFill/>
+        </p:spPr>
+        <p:txBody>
+          <a:bodyPr wrap="square" rtlCol="0">
+            <a:spAutoFit/>
+          </a:bodyPr>
+          <a:lstStyle/>
+          <a:p>
+            <a:pPr marL="0" marR="0" lvl="0" indent="0" defTabSz="914400" rtl="0" eaLnBrk="1" fontAlgn="auto" latinLnBrk="0" hangingPunct="1">
+              <a:lnSpc>
+                <a:spcPct val="100000"/>
+              </a:lnSpc>
+              <a:spcBef>
+                <a:spcPts val="0"/>
+              </a:spcBef>
+              <a:spcAft>
+                <a:spcPts val="0"/>
+              </a:spcAft>
+              <a:buClrTx/>
+              <a:buSzTx/>
+              <a:buFontTx/>
+              <a:buNone/>
+              <a:tabLst/>
+              <a:defRPr/>
+            </a:pPr>
+            <a:r>
+              <a:rPr kumimoji="0" lang="pt-BR" sz="1000" b="0" i="0" u="none" strike="noStrike" kern="1200" cap="none" spc="0" normalizeH="0" baseline="0" noProof="0" dirty="0">
+                <a:ln>
+                  <a:noFill/>
+                </a:ln>
+                <a:solidFill>
+                  <a:prstClr val="black"/>
+                </a:solidFill>
+                <a:effectLst/>
+                <a:uLnTx/>
+                <a:uFillTx/>
+                <a:latin typeface="Calibri" panose="020F0502020204030204"/>
+                <a:ea typeface="+mn-ea"/>
+                <a:cs typeface="+mn-cs"/>
+              </a:rPr>
+              <a:t>Intel-core i3 7100</a:t>
+            </a:r>
+          </a:p>
+          <a:p>
+            <a:pPr marL="0" marR="0" lvl="0" indent="0" defTabSz="914400" rtl="0" eaLnBrk="1" fontAlgn="auto" latinLnBrk="0" hangingPunct="1">
+              <a:lnSpc>
+                <a:spcPct val="100000"/>
+              </a:lnSpc>
+              <a:spcBef>
+                <a:spcPts val="0"/>
+              </a:spcBef>
+              <a:spcAft>
+                <a:spcPts val="0"/>
+              </a:spcAft>
+              <a:buClrTx/>
+              <a:buSzTx/>
+              <a:buFontTx/>
+              <a:buNone/>
+              <a:tabLst/>
+              <a:defRPr/>
+            </a:pPr>
+            <a:r>
+              <a:rPr lang="pt-BR" sz="1000" dirty="0">
+                <a:solidFill>
+                  <a:prstClr val="black"/>
+                </a:solidFill>
+                <a:latin typeface="Calibri" panose="020F0502020204030204"/>
+              </a:rPr>
+              <a:t>500 GB HD</a:t>
+            </a:r>
+          </a:p>
+          <a:p>
+            <a:pPr marL="0" marR="0" lvl="0" indent="0" defTabSz="914400" rtl="0" eaLnBrk="1" fontAlgn="auto" latinLnBrk="0" hangingPunct="1">
+              <a:lnSpc>
+                <a:spcPct val="100000"/>
+              </a:lnSpc>
+              <a:spcBef>
+                <a:spcPts val="0"/>
+              </a:spcBef>
+              <a:spcAft>
+                <a:spcPts val="0"/>
+              </a:spcAft>
+              <a:buClrTx/>
+              <a:buSzTx/>
+              <a:buFontTx/>
+              <a:buNone/>
+              <a:tabLst/>
+              <a:defRPr/>
+            </a:pPr>
+            <a:r>
+              <a:rPr kumimoji="0" lang="pt-BR" sz="1000" b="0" i="0" u="none" strike="noStrike" kern="1200" cap="none" spc="0" normalizeH="0" baseline="0" noProof="0" dirty="0">
+                <a:ln>
+                  <a:noFill/>
+                </a:ln>
+                <a:solidFill>
+                  <a:prstClr val="black"/>
+                </a:solidFill>
+                <a:effectLst/>
+                <a:uLnTx/>
+                <a:uFillTx/>
+                <a:latin typeface="Calibri" panose="020F0502020204030204"/>
+                <a:ea typeface="+mn-ea"/>
+                <a:cs typeface="+mn-cs"/>
+              </a:rPr>
+              <a:t>4 GB RAM</a:t>
+            </a:r>
+          </a:p>
+          <a:p>
+            <a:endParaRPr lang="pt-BR" dirty="0"/>
+          </a:p>
+        </p:txBody>
+      </p:sp>
+      <p:pic>
+        <p:nvPicPr>
+          <p:cNvPr id="25" name="Imagem 24" descr="Texto&#10;&#10;Descrição gerada automaticamente">
+            <a:extLst>
+              <a:ext uri="{FF2B5EF4-FFF2-40B4-BE49-F238E27FC236}">
+                <a16:creationId xmlns:a16="http://schemas.microsoft.com/office/drawing/2014/main" id="{79542526-0907-4EBA-8491-224FE481E4B5}"/>
+              </a:ext>
+            </a:extLst>
+          </p:cNvPr>
+          <p:cNvPicPr>
+            <a:picLocks noChangeAspect="1"/>
+          </p:cNvPicPr>
+          <p:nvPr/>
+        </p:nvPicPr>
+        <p:blipFill>
+          <a:blip r:embed="rId6">
+            <a:extLst>
+              <a:ext uri="{28A0092B-C50C-407E-A947-70E740481C1C}">
+                <a14:useLocalDpi xmlns:a14="http://schemas.microsoft.com/office/drawing/2010/main" val="0"/>
+              </a:ext>
+            </a:extLst>
+          </a:blip>
+          <a:stretch>
+            <a:fillRect/>
+          </a:stretch>
+        </p:blipFill>
+        <p:spPr>
+          <a:xfrm>
+            <a:off x="6866347" y="846315"/>
+            <a:ext cx="1514475" cy="1514475"/>
+          </a:xfrm>
+          <a:prstGeom prst="rect">
+            <a:avLst/>
+          </a:prstGeom>
+        </p:spPr>
+      </p:pic>
+      <p:pic>
+        <p:nvPicPr>
+          <p:cNvPr id="28" name="Imagem 27" descr="Logotipo&#10;&#10;Descrição gerada automaticamente">
+            <a:extLst>
+              <a:ext uri="{FF2B5EF4-FFF2-40B4-BE49-F238E27FC236}">
+                <a16:creationId xmlns:a16="http://schemas.microsoft.com/office/drawing/2014/main" id="{E6773762-6B04-4C1B-8496-6459155C07BD}"/>
+              </a:ext>
+            </a:extLst>
+          </p:cNvPr>
+          <p:cNvPicPr>
+            <a:picLocks noChangeAspect="1"/>
+          </p:cNvPicPr>
+          <p:nvPr/>
+        </p:nvPicPr>
+        <p:blipFill>
+          <a:blip r:embed="rId7">
+            <a:extLst>
+              <a:ext uri="{28A0092B-C50C-407E-A947-70E740481C1C}">
+                <a14:useLocalDpi xmlns:a14="http://schemas.microsoft.com/office/drawing/2010/main" val="0"/>
+              </a:ext>
+            </a:extLst>
+          </a:blip>
+          <a:stretch>
+            <a:fillRect/>
+          </a:stretch>
+        </p:blipFill>
+        <p:spPr>
+          <a:xfrm>
+            <a:off x="9509766" y="994178"/>
+            <a:ext cx="923925" cy="609600"/>
+          </a:xfrm>
+          <a:prstGeom prst="rect">
+            <a:avLst/>
+          </a:prstGeom>
+        </p:spPr>
+      </p:pic>
+      <p:pic>
+        <p:nvPicPr>
+          <p:cNvPr id="31" name="Imagem 30" descr="Fundo preto com letras brancas&#10;&#10;Descrição gerada automaticamente com confiança média">
+            <a:extLst>
+              <a:ext uri="{FF2B5EF4-FFF2-40B4-BE49-F238E27FC236}">
+                <a16:creationId xmlns:a16="http://schemas.microsoft.com/office/drawing/2014/main" id="{C351E218-2F66-41CE-8208-C0765AF358CA}"/>
+              </a:ext>
+            </a:extLst>
+          </p:cNvPr>
+          <p:cNvPicPr>
+            <a:picLocks noChangeAspect="1"/>
+          </p:cNvPicPr>
+          <p:nvPr/>
+        </p:nvPicPr>
+        <p:blipFill>
+          <a:blip r:embed="rId8">
+            <a:extLst>
+              <a:ext uri="{28A0092B-C50C-407E-A947-70E740481C1C}">
+                <a14:useLocalDpi xmlns:a14="http://schemas.microsoft.com/office/drawing/2010/main" val="0"/>
+              </a:ext>
+            </a:extLst>
+          </a:blip>
+          <a:stretch>
+            <a:fillRect/>
+          </a:stretch>
+        </p:blipFill>
+        <p:spPr>
+          <a:xfrm>
+            <a:off x="9656226" y="1620247"/>
+            <a:ext cx="609600" cy="619125"/>
+          </a:xfrm>
+          <a:prstGeom prst="rect">
+            <a:avLst/>
+          </a:prstGeom>
+        </p:spPr>
+      </p:pic>
+      <p:pic>
+        <p:nvPicPr>
+          <p:cNvPr id="34" name="Imagem 33" descr="Ícone&#10;&#10;Descrição gerada automaticamente">
+            <a:extLst>
+              <a:ext uri="{FF2B5EF4-FFF2-40B4-BE49-F238E27FC236}">
+                <a16:creationId xmlns:a16="http://schemas.microsoft.com/office/drawing/2014/main" id="{EAA629D3-EC79-45D4-9BD3-DAC3206D3F1D}"/>
+              </a:ext>
+            </a:extLst>
+          </p:cNvPr>
+          <p:cNvPicPr>
+            <a:picLocks noChangeAspect="1"/>
+          </p:cNvPicPr>
+          <p:nvPr/>
+        </p:nvPicPr>
+        <p:blipFill>
+          <a:blip r:embed="rId9">
+            <a:extLst>
+              <a:ext uri="{28A0092B-C50C-407E-A947-70E740481C1C}">
+                <a14:useLocalDpi xmlns:a14="http://schemas.microsoft.com/office/drawing/2010/main" val="0"/>
+              </a:ext>
+            </a:extLst>
+          </a:blip>
+          <a:stretch>
+            <a:fillRect/>
+          </a:stretch>
+        </p:blipFill>
+        <p:spPr>
+          <a:xfrm>
+            <a:off x="10284263" y="1010647"/>
+            <a:ext cx="609600" cy="609600"/>
+          </a:xfrm>
+          <a:prstGeom prst="rect">
+            <a:avLst/>
+          </a:prstGeom>
+        </p:spPr>
+      </p:pic>
+      <p:pic>
+        <p:nvPicPr>
+          <p:cNvPr id="36" name="Imagem 35" descr="Desenho de um círculo&#10;&#10;Descrição gerada automaticamente com confiança média">
+            <a:extLst>
+              <a:ext uri="{FF2B5EF4-FFF2-40B4-BE49-F238E27FC236}">
+                <a16:creationId xmlns:a16="http://schemas.microsoft.com/office/drawing/2014/main" id="{2A4513F0-7A48-4EEE-9277-C9DD9B180D4B}"/>
+              </a:ext>
+            </a:extLst>
+          </p:cNvPr>
+          <p:cNvPicPr>
+            <a:picLocks noChangeAspect="1"/>
+          </p:cNvPicPr>
+          <p:nvPr/>
+        </p:nvPicPr>
+        <p:blipFill>
+          <a:blip r:embed="rId10">
+            <a:extLst>
+              <a:ext uri="{28A0092B-C50C-407E-A947-70E740481C1C}">
+                <a14:useLocalDpi xmlns:a14="http://schemas.microsoft.com/office/drawing/2010/main" val="0"/>
+              </a:ext>
+            </a:extLst>
+          </a:blip>
+          <a:stretch>
+            <a:fillRect/>
+          </a:stretch>
+        </p:blipFill>
+        <p:spPr>
+          <a:xfrm>
+            <a:off x="10222301" y="1601214"/>
+            <a:ext cx="723900" cy="714375"/>
+          </a:xfrm>
+          <a:prstGeom prst="rect">
+            <a:avLst/>
+          </a:prstGeom>
+        </p:spPr>
+      </p:pic>
+      <p:cxnSp>
+        <p:nvCxnSpPr>
+          <p:cNvPr id="38" name="Conector de Seta Reta 37">
+            <a:extLst>
+              <a:ext uri="{FF2B5EF4-FFF2-40B4-BE49-F238E27FC236}">
+                <a16:creationId xmlns:a16="http://schemas.microsoft.com/office/drawing/2014/main" id="{0145BEF0-80F6-480D-A875-563195B6BA6B}"/>
+              </a:ext>
+            </a:extLst>
+          </p:cNvPr>
+          <p:cNvCxnSpPr/>
+          <p:nvPr/>
+        </p:nvCxnSpPr>
+        <p:spPr>
+          <a:xfrm flipV="1">
+            <a:off x="10284263" y="727840"/>
+            <a:ext cx="307537" cy="266338"/>
+          </a:xfrm>
+          <a:prstGeom prst="straightConnector1">
+            <a:avLst/>
+          </a:prstGeom>
+          <a:ln>
+            <a:tailEnd type="triangle"/>
+          </a:ln>
+        </p:spPr>
+        <p:style>
+          <a:lnRef idx="2">
+            <a:schemeClr val="dk1"/>
+          </a:lnRef>
+          <a:fillRef idx="0">
+            <a:schemeClr val="dk1"/>
+          </a:fillRef>
+          <a:effectRef idx="1">
+            <a:schemeClr val="dk1"/>
+          </a:effectRef>
+          <a:fontRef idx="minor">
+            <a:schemeClr val="tx1"/>
+          </a:fontRef>
+        </p:style>
+      </p:cxnSp>
+      <p:sp>
+        <p:nvSpPr>
+          <p:cNvPr id="39" name="CaixaDeTexto 38">
+            <a:extLst>
+              <a:ext uri="{FF2B5EF4-FFF2-40B4-BE49-F238E27FC236}">
+                <a16:creationId xmlns:a16="http://schemas.microsoft.com/office/drawing/2014/main" id="{CDFBE221-0524-4117-9A00-A40B7D1A8DF9}"/>
+              </a:ext>
+            </a:extLst>
+          </p:cNvPr>
+          <p:cNvSpPr txBox="1"/>
+          <p:nvPr/>
+        </p:nvSpPr>
+        <p:spPr>
+          <a:xfrm>
+            <a:off x="10447580" y="434374"/>
+            <a:ext cx="1048646" cy="369332"/>
+          </a:xfrm>
+          <a:prstGeom prst="rect">
+            <a:avLst/>
+          </a:prstGeom>
+          <a:noFill/>
+        </p:spPr>
+        <p:txBody>
+          <a:bodyPr wrap="square" rtlCol="0">
+            <a:spAutoFit/>
+          </a:bodyPr>
+          <a:lstStyle/>
+          <a:p>
+            <a:r>
+              <a:rPr lang="pt-BR" dirty="0"/>
+              <a:t>Browsers</a:t>
+            </a:r>
+          </a:p>
+        </p:txBody>
+      </p:sp>
+      <p:pic>
+        <p:nvPicPr>
+          <p:cNvPr id="1040" name="Picture 16" descr="HTML, CSS &amp;amp; JS :: Juicy Media">
+            <a:extLst>
+              <a:ext uri="{FF2B5EF4-FFF2-40B4-BE49-F238E27FC236}">
+                <a16:creationId xmlns:a16="http://schemas.microsoft.com/office/drawing/2014/main" id="{306E0809-23D5-46AD-862A-C6AC036A05B6}"/>
               </a:ext>
             </a:extLst>
           </p:cNvPr>
@@ -3916,7 +4184,7 @@
           <p:nvPr/>
         </p:nvPicPr>
         <p:blipFill>
-          <a:blip r:embed="rId7">
+          <a:blip r:embed="rId11">
             <a:extLst>
               <a:ext uri="{28A0092B-C50C-407E-A947-70E740481C1C}">
                 <a14:useLocalDpi xmlns:a14="http://schemas.microsoft.com/office/drawing/2010/main" val="0"/>
@@ -3930,8 +4198,8 @@
         </p:blipFill>
         <p:spPr bwMode="auto">
           <a:xfrm>
-            <a:off x="5021842" y="4104081"/>
-            <a:ext cx="1306286" cy="653143"/>
+            <a:off x="5298037" y="4121897"/>
+            <a:ext cx="2744301" cy="1095470"/>
           </a:xfrm>
           <a:prstGeom prst="rect">
             <a:avLst/>
@@ -3950,10 +4218,46 @@
       </p:pic>
       <p:pic>
         <p:nvPicPr>
-          <p:cNvPr id="1044" name="Picture 20" descr="ícone Mysql, simples, a marca, logo Livre de Devicon">
-            <a:extLst>
-              <a:ext uri="{FF2B5EF4-FFF2-40B4-BE49-F238E27FC236}">
-                <a16:creationId xmlns:a16="http://schemas.microsoft.com/office/drawing/2014/main" id="{3C2703D5-BA20-44C8-9C15-4F095C928C3B}"/>
+          <p:cNvPr id="51" name="Imagem 50" descr="Ícone&#10;&#10;Descrição gerada automaticamente">
+            <a:extLst>
+              <a:ext uri="{FF2B5EF4-FFF2-40B4-BE49-F238E27FC236}">
+                <a16:creationId xmlns:a16="http://schemas.microsoft.com/office/drawing/2014/main" id="{70DE1F56-3F07-4D9C-8643-DA2677C3CDC9}"/>
+              </a:ext>
+            </a:extLst>
+          </p:cNvPr>
+          <p:cNvPicPr>
+            <a:picLocks noChangeAspect="1"/>
+          </p:cNvPicPr>
+          <p:nvPr/>
+        </p:nvPicPr>
+        <p:blipFill>
+          <a:blip r:embed="rId12">
+            <a:extLst>
+              <a:ext uri="{28A0092B-C50C-407E-A947-70E740481C1C}">
+                <a14:useLocalDpi xmlns:a14="http://schemas.microsoft.com/office/drawing/2010/main" val="0"/>
+              </a:ext>
+            </a:extLst>
+          </a:blip>
+          <a:stretch>
+            <a:fillRect/>
+          </a:stretch>
+        </p:blipFill>
+        <p:spPr>
+          <a:xfrm>
+            <a:off x="8352706" y="4047182"/>
+            <a:ext cx="2039497" cy="1142118"/>
+          </a:xfrm>
+          <a:prstGeom prst="rect">
+            <a:avLst/>
+          </a:prstGeom>
+        </p:spPr>
+      </p:pic>
+      <p:pic>
+        <p:nvPicPr>
+          <p:cNvPr id="53" name="Picture 20">
+            <a:extLst>
+              <a:ext uri="{FF2B5EF4-FFF2-40B4-BE49-F238E27FC236}">
+                <a16:creationId xmlns:a16="http://schemas.microsoft.com/office/drawing/2014/main" id="{2268329C-474C-432E-884B-E93121EB0895}"/>
               </a:ext>
             </a:extLst>
           </p:cNvPr>
@@ -3963,7 +4267,7 @@
           <p:nvPr/>
         </p:nvPicPr>
         <p:blipFill>
-          <a:blip r:embed="rId8">
+          <a:blip r:embed="rId13">
             <a:extLst>
               <a:ext uri="{28A0092B-C50C-407E-A947-70E740481C1C}">
                 <a14:useLocalDpi xmlns:a14="http://schemas.microsoft.com/office/drawing/2010/main" val="0"/>
@@ -3977,8 +4281,8 @@
         </p:blipFill>
         <p:spPr bwMode="auto">
           <a:xfrm>
-            <a:off x="5742665" y="4626052"/>
-            <a:ext cx="1306287" cy="1306287"/>
+            <a:off x="7998786" y="5220800"/>
+            <a:ext cx="1907213" cy="1002825"/>
           </a:xfrm>
           <a:prstGeom prst="rect">
             <a:avLst/>
@@ -3997,10 +4301,10 @@
       </p:pic>
       <p:pic>
         <p:nvPicPr>
-          <p:cNvPr id="1046" name="Picture 22" descr="Node.js - O que é, como funciona e quais as vantagens">
-            <a:extLst>
-              <a:ext uri="{FF2B5EF4-FFF2-40B4-BE49-F238E27FC236}">
-                <a16:creationId xmlns:a16="http://schemas.microsoft.com/office/drawing/2014/main" id="{80C51D9A-08B3-4120-9D7F-E5330C16033A}"/>
+          <p:cNvPr id="52" name="Picture 18">
+            <a:extLst>
+              <a:ext uri="{FF2B5EF4-FFF2-40B4-BE49-F238E27FC236}">
+                <a16:creationId xmlns:a16="http://schemas.microsoft.com/office/drawing/2014/main" id="{926F042A-EB90-4156-ADDD-D3D9A85661F2}"/>
               </a:ext>
             </a:extLst>
           </p:cNvPr>
@@ -4010,7 +4314,7 @@
           <p:nvPr/>
         </p:nvPicPr>
         <p:blipFill>
-          <a:blip r:embed="rId9">
+          <a:blip r:embed="rId14">
             <a:extLst>
               <a:ext uri="{28A0092B-C50C-407E-A947-70E740481C1C}">
                 <a14:useLocalDpi xmlns:a14="http://schemas.microsoft.com/office/drawing/2010/main" val="0"/>
@@ -4024,8 +4328,8 @@
         </p:blipFill>
         <p:spPr bwMode="auto">
           <a:xfrm>
-            <a:off x="6487932" y="4081370"/>
-            <a:ext cx="1306286" cy="783772"/>
+            <a:off x="5569078" y="5293009"/>
+            <a:ext cx="849995" cy="849995"/>
           </a:xfrm>
           <a:prstGeom prst="rect">
             <a:avLst/>
@@ -4044,46 +4348,123 @@
       </p:pic>
       <p:sp>
         <p:nvSpPr>
-          <p:cNvPr id="24" name="CaixaDeTexto 23">
-            <a:extLst>
-              <a:ext uri="{FF2B5EF4-FFF2-40B4-BE49-F238E27FC236}">
-                <a16:creationId xmlns:a16="http://schemas.microsoft.com/office/drawing/2014/main" id="{FA0582DC-D7C7-42A5-8A95-516056F9002D}"/>
-              </a:ext>
-            </a:extLst>
-          </p:cNvPr>
-          <p:cNvSpPr txBox="1"/>
+          <p:cNvPr id="75" name="Retângulo 74">
+            <a:extLst>
+              <a:ext uri="{FF2B5EF4-FFF2-40B4-BE49-F238E27FC236}">
+                <a16:creationId xmlns:a16="http://schemas.microsoft.com/office/drawing/2014/main" id="{622B63A5-2DB2-48A1-8A82-F0B1224ACDB1}"/>
+              </a:ext>
+            </a:extLst>
+          </p:cNvPr>
+          <p:cNvSpPr/>
           <p:nvPr/>
         </p:nvSpPr>
         <p:spPr>
           <a:xfrm>
-            <a:off x="8005666" y="3685592"/>
-            <a:ext cx="3731596" cy="369332"/>
+            <a:off x="6549099" y="5402312"/>
+            <a:ext cx="1074485" cy="740692"/>
           </a:xfrm>
           <a:prstGeom prst="rect">
             <a:avLst/>
           </a:prstGeom>
-          <a:noFill/>
-        </p:spPr>
-        <p:txBody>
-          <a:bodyPr wrap="square" rtlCol="0">
-            <a:spAutoFit/>
-          </a:bodyPr>
-          <a:lstStyle/>
-          <a:p>
-            <a:pPr algn="ctr"/>
-            <a:r>
-              <a:rPr lang="pt-BR" dirty="0"/>
-              <a:t>Aplicação Web</a:t>
-            </a:r>
+          <a:solidFill>
+            <a:srgbClr val="D8E3E7"/>
+          </a:solidFill>
+          <a:ln w="38100"/>
+        </p:spPr>
+        <p:style>
+          <a:lnRef idx="2">
+            <a:schemeClr val="dk1"/>
+          </a:lnRef>
+          <a:fillRef idx="1">
+            <a:schemeClr val="lt1"/>
+          </a:fillRef>
+          <a:effectRef idx="0">
+            <a:schemeClr val="dk1"/>
+          </a:effectRef>
+          <a:fontRef idx="minor">
+            <a:schemeClr val="dk1"/>
+          </a:fontRef>
+        </p:style>
+        <p:txBody>
+          <a:bodyPr rtlCol="0" anchor="ctr"/>
+          <a:lstStyle/>
+          <a:p>
+            <a:r>
+              <a:rPr lang="pt-BR" sz="1050" dirty="0"/>
+              <a:t>API dos correios para obter os dados dos </a:t>
+            </a:r>
+            <a:r>
+              <a:rPr lang="pt-BR" sz="1050" dirty="0" err="1"/>
+              <a:t>ceps</a:t>
+            </a:r>
+            <a:r>
+              <a:rPr lang="pt-BR" sz="1050" dirty="0"/>
+              <a:t> 	</a:t>
+            </a:r>
+          </a:p>
+        </p:txBody>
+      </p:sp>
+      <p:sp>
+        <p:nvSpPr>
+          <p:cNvPr id="76" name="Retângulo 75">
+            <a:extLst>
+              <a:ext uri="{FF2B5EF4-FFF2-40B4-BE49-F238E27FC236}">
+                <a16:creationId xmlns:a16="http://schemas.microsoft.com/office/drawing/2014/main" id="{B3460F71-189A-4409-BE0D-201BA59E1000}"/>
+              </a:ext>
+            </a:extLst>
+          </p:cNvPr>
+          <p:cNvSpPr/>
+          <p:nvPr/>
+        </p:nvSpPr>
+        <p:spPr>
+          <a:xfrm>
+            <a:off x="10054557" y="5400127"/>
+            <a:ext cx="1074485" cy="795978"/>
+          </a:xfrm>
+          <a:prstGeom prst="rect">
+            <a:avLst/>
+          </a:prstGeom>
+          <a:solidFill>
+            <a:srgbClr val="D8E3E7"/>
+          </a:solidFill>
+          <a:ln w="38100"/>
+        </p:spPr>
+        <p:style>
+          <a:lnRef idx="2">
+            <a:schemeClr val="dk1"/>
+          </a:lnRef>
+          <a:fillRef idx="1">
+            <a:schemeClr val="lt1"/>
+          </a:fillRef>
+          <a:effectRef idx="0">
+            <a:schemeClr val="dk1"/>
+          </a:effectRef>
+          <a:fontRef idx="minor">
+            <a:schemeClr val="dk1"/>
+          </a:fontRef>
+        </p:style>
+        <p:txBody>
+          <a:bodyPr rtlCol="0" anchor="ctr"/>
+          <a:lstStyle/>
+          <a:p>
+            <a:r>
+              <a:rPr lang="pt-BR" sz="1050" dirty="0"/>
+              <a:t>Framework usado para aplicação </a:t>
+            </a:r>
+            <a:r>
+              <a:rPr lang="pt-BR" sz="1050" dirty="0" err="1"/>
+              <a:t>java</a:t>
+            </a:r>
+            <a:endParaRPr lang="pt-BR" sz="1050" dirty="0"/>
           </a:p>
         </p:txBody>
       </p:sp>
       <p:cxnSp>
         <p:nvCxnSpPr>
-          <p:cNvPr id="30" name="Conector reto 29">
-            <a:extLst>
-              <a:ext uri="{FF2B5EF4-FFF2-40B4-BE49-F238E27FC236}">
-                <a16:creationId xmlns:a16="http://schemas.microsoft.com/office/drawing/2014/main" id="{C07D9302-A60D-4BD3-A70C-242AA49DD330}"/>
+          <p:cNvPr id="58" name="Conector: Angulado 57">
+            <a:extLst>
+              <a:ext uri="{FF2B5EF4-FFF2-40B4-BE49-F238E27FC236}">
+                <a16:creationId xmlns:a16="http://schemas.microsoft.com/office/drawing/2014/main" id="{B54B936B-C5EC-4B86-8F09-C9A890E928EC}"/>
               </a:ext>
             </a:extLst>
           </p:cNvPr>
@@ -4094,12 +4475,18 @@
         </p:nvCxnSpPr>
         <p:spPr>
           <a:xfrm>
-            <a:off x="8005665" y="3293706"/>
-            <a:ext cx="0" cy="3163078"/>
-          </a:xfrm>
-          <a:prstGeom prst="line">
-            <a:avLst/>
+            <a:off x="1695450" y="3258597"/>
+            <a:ext cx="2629769" cy="1930703"/>
+          </a:xfrm>
+          <a:prstGeom prst="bentConnector3">
+            <a:avLst>
+              <a:gd name="adj1" fmla="val -346"/>
+            </a:avLst>
           </a:prstGeom>
+          <a:ln>
+            <a:headEnd type="triangle"/>
+            <a:tailEnd type="triangle"/>
+          </a:ln>
         </p:spPr>
         <p:style>
           <a:lnRef idx="3">
@@ -4116,169 +4503,23 @@
           </a:fontRef>
         </p:style>
       </p:cxnSp>
-      <p:pic>
-        <p:nvPicPr>
-          <p:cNvPr id="1054" name="Picture 30" descr="Html Css Icon - Html Css Logo Png, Transparent Png , Transparent Png Image  - PNGitem">
-            <a:extLst>
-              <a:ext uri="{FF2B5EF4-FFF2-40B4-BE49-F238E27FC236}">
-                <a16:creationId xmlns:a16="http://schemas.microsoft.com/office/drawing/2014/main" id="{AA9A8156-1807-41BE-BE6D-E5C61E41A21B}"/>
-              </a:ext>
-            </a:extLst>
-          </p:cNvPr>
-          <p:cNvPicPr>
-            <a:picLocks noChangeAspect="1" noChangeArrowheads="1"/>
-          </p:cNvPicPr>
-          <p:nvPr/>
-        </p:nvPicPr>
-        <p:blipFill>
-          <a:blip r:embed="rId10">
-            <a:extLst>
-              <a:ext uri="{28A0092B-C50C-407E-A947-70E740481C1C}">
-                <a14:useLocalDpi xmlns:a14="http://schemas.microsoft.com/office/drawing/2010/main" val="0"/>
-              </a:ext>
-            </a:extLst>
-          </a:blip>
-          <a:srcRect/>
-          <a:stretch>
-            <a:fillRect/>
-          </a:stretch>
-        </p:blipFill>
-        <p:spPr bwMode="auto">
-          <a:xfrm>
-            <a:off x="8768999" y="4247762"/>
-            <a:ext cx="2204929" cy="1234760"/>
-          </a:xfrm>
-          <a:prstGeom prst="rect">
-            <a:avLst/>
-          </a:prstGeom>
-          <a:noFill/>
-          <a:extLst>
-            <a:ext uri="{909E8E84-426E-40DD-AFC4-6F175D3DCCD1}">
-              <a14:hiddenFill xmlns:a14="http://schemas.microsoft.com/office/drawing/2010/main">
-                <a:solidFill>
-                  <a:srgbClr val="FFFFFF"/>
-                </a:solidFill>
-              </a14:hiddenFill>
-            </a:ext>
-          </a:extLst>
-        </p:spPr>
-      </p:pic>
-      <p:pic>
-        <p:nvPicPr>
-          <p:cNvPr id="1056" name="Picture 32" descr="React - Free interface icons">
-            <a:extLst>
-              <a:ext uri="{FF2B5EF4-FFF2-40B4-BE49-F238E27FC236}">
-                <a16:creationId xmlns:a16="http://schemas.microsoft.com/office/drawing/2014/main" id="{920A02CD-2276-42DC-9D8D-2205C6D88BB2}"/>
-              </a:ext>
-            </a:extLst>
-          </p:cNvPr>
-          <p:cNvPicPr>
-            <a:picLocks noChangeAspect="1" noChangeArrowheads="1"/>
-          </p:cNvPicPr>
-          <p:nvPr/>
-        </p:nvPicPr>
-        <p:blipFill>
-          <a:blip r:embed="rId11">
-            <a:extLst>
-              <a:ext uri="{28A0092B-C50C-407E-A947-70E740481C1C}">
-                <a14:useLocalDpi xmlns:a14="http://schemas.microsoft.com/office/drawing/2010/main" val="0"/>
-              </a:ext>
-            </a:extLst>
-          </a:blip>
-          <a:srcRect/>
-          <a:stretch>
-            <a:fillRect/>
-          </a:stretch>
-        </p:blipFill>
-        <p:spPr bwMode="auto">
-          <a:xfrm>
-            <a:off x="9365273" y="5482522"/>
-            <a:ext cx="1003138" cy="1003138"/>
-          </a:xfrm>
-          <a:prstGeom prst="rect">
-            <a:avLst/>
-          </a:prstGeom>
-          <a:noFill/>
-          <a:extLst>
-            <a:ext uri="{909E8E84-426E-40DD-AFC4-6F175D3DCCD1}">
-              <a14:hiddenFill xmlns:a14="http://schemas.microsoft.com/office/drawing/2010/main">
-                <a:solidFill>
-                  <a:srgbClr val="FFFFFF"/>
-                </a:solidFill>
-              </a14:hiddenFill>
-            </a:ext>
-          </a:extLst>
-        </p:spPr>
-      </p:pic>
-      <p:sp>
-        <p:nvSpPr>
-          <p:cNvPr id="61" name="Retângulo 60">
-            <a:extLst>
-              <a:ext uri="{FF2B5EF4-FFF2-40B4-BE49-F238E27FC236}">
-                <a16:creationId xmlns:a16="http://schemas.microsoft.com/office/drawing/2014/main" id="{A491F5BF-8924-43D4-98FF-443D097D1024}"/>
-              </a:ext>
-            </a:extLst>
-          </p:cNvPr>
-          <p:cNvSpPr/>
-          <p:nvPr/>
-        </p:nvSpPr>
-        <p:spPr>
-          <a:xfrm rot="5400000">
-            <a:off x="8107722" y="-1171730"/>
-            <a:ext cx="2258605" cy="4981985"/>
-          </a:xfrm>
-          <a:prstGeom prst="rect">
-            <a:avLst/>
-          </a:prstGeom>
-          <a:solidFill>
-            <a:schemeClr val="bg1"/>
-          </a:solidFill>
-          <a:ln>
-            <a:solidFill>
-              <a:schemeClr val="bg1"/>
-            </a:solidFill>
-          </a:ln>
-        </p:spPr>
-        <p:style>
-          <a:lnRef idx="2">
-            <a:schemeClr val="accent1">
-              <a:shade val="50000"/>
-            </a:schemeClr>
-          </a:lnRef>
-          <a:fillRef idx="1">
-            <a:schemeClr val="accent1"/>
-          </a:fillRef>
-          <a:effectRef idx="0">
-            <a:schemeClr val="accent1"/>
-          </a:effectRef>
-          <a:fontRef idx="minor">
-            <a:schemeClr val="lt1"/>
-          </a:fontRef>
-        </p:style>
-        <p:txBody>
-          <a:bodyPr rtlCol="0" anchor="ctr"/>
-          <a:lstStyle/>
-          <a:p>
-            <a:pPr algn="ctr"/>
-            <a:endParaRPr lang="pt-BR" dirty="0"/>
-          </a:p>
-        </p:txBody>
-      </p:sp>
       <p:cxnSp>
         <p:nvCxnSpPr>
-          <p:cNvPr id="45" name="Conector de Seta Reta 44">
-            <a:extLst>
-              <a:ext uri="{FF2B5EF4-FFF2-40B4-BE49-F238E27FC236}">
-                <a16:creationId xmlns:a16="http://schemas.microsoft.com/office/drawing/2014/main" id="{F39E73AD-A520-4512-A768-BB8D3951C8F6}"/>
-              </a:ext>
-            </a:extLst>
-          </p:cNvPr>
-          <p:cNvCxnSpPr/>
+          <p:cNvPr id="29" name="Conector de Seta Reta 28">
+            <a:extLst>
+              <a:ext uri="{FF2B5EF4-FFF2-40B4-BE49-F238E27FC236}">
+                <a16:creationId xmlns:a16="http://schemas.microsoft.com/office/drawing/2014/main" id="{B630FB13-43D2-4C88-BEA7-7BADDBDAFD11}"/>
+              </a:ext>
+            </a:extLst>
+          </p:cNvPr>
+          <p:cNvCxnSpPr>
+            <a:cxnSpLocks/>
+          </p:cNvCxnSpPr>
           <p:nvPr/>
         </p:nvCxnSpPr>
         <p:spPr>
-          <a:xfrm flipV="1">
-            <a:off x="9734985" y="2615430"/>
+          <a:xfrm>
+            <a:off x="9274989" y="2624631"/>
             <a:ext cx="0" cy="514368"/>
           </a:xfrm>
           <a:prstGeom prst="straightConnector1">
@@ -4303,277 +4544,6 @@
           </a:fontRef>
         </p:style>
       </p:cxnSp>
-      <p:pic>
-        <p:nvPicPr>
-          <p:cNvPr id="1060" name="Picture 36" descr="ícone Computador, desktop, monitor, pc, pessoal Livre de Basic UI 2 (Line)">
-            <a:extLst>
-              <a:ext uri="{FF2B5EF4-FFF2-40B4-BE49-F238E27FC236}">
-                <a16:creationId xmlns:a16="http://schemas.microsoft.com/office/drawing/2014/main" id="{04926C3E-E724-4A7B-B0AF-925809C9ECD5}"/>
-              </a:ext>
-            </a:extLst>
-          </p:cNvPr>
-          <p:cNvPicPr>
-            <a:picLocks noChangeAspect="1" noChangeArrowheads="1"/>
-          </p:cNvPicPr>
-          <p:nvPr/>
-        </p:nvPicPr>
-        <p:blipFill>
-          <a:blip r:embed="rId12">
-            <a:extLst>
-              <a:ext uri="{28A0092B-C50C-407E-A947-70E740481C1C}">
-                <a14:useLocalDpi xmlns:a14="http://schemas.microsoft.com/office/drawing/2010/main" val="0"/>
-              </a:ext>
-            </a:extLst>
-          </a:blip>
-          <a:srcRect/>
-          <a:stretch>
-            <a:fillRect/>
-          </a:stretch>
-        </p:blipFill>
-        <p:spPr bwMode="auto">
-          <a:xfrm>
-            <a:off x="7460108" y="796164"/>
-            <a:ext cx="1511558" cy="1511558"/>
-          </a:xfrm>
-          <a:prstGeom prst="rect">
-            <a:avLst/>
-          </a:prstGeom>
-          <a:noFill/>
-          <a:extLst>
-            <a:ext uri="{909E8E84-426E-40DD-AFC4-6F175D3DCCD1}">
-              <a14:hiddenFill xmlns:a14="http://schemas.microsoft.com/office/drawing/2010/main">
-                <a:solidFill>
-                  <a:srgbClr val="FFFFFF"/>
-                </a:solidFill>
-              </a14:hiddenFill>
-            </a:ext>
-          </a:extLst>
-        </p:spPr>
-      </p:pic>
-      <p:pic>
-        <p:nvPicPr>
-          <p:cNvPr id="1064" name="Picture 40" descr="Microsoft unveils new Edge browser logo that no longer looks like Internet  Explorer - The Verge">
-            <a:extLst>
-              <a:ext uri="{FF2B5EF4-FFF2-40B4-BE49-F238E27FC236}">
-                <a16:creationId xmlns:a16="http://schemas.microsoft.com/office/drawing/2014/main" id="{6683F05D-5214-40CC-9D87-DB020F1B92BC}"/>
-              </a:ext>
-            </a:extLst>
-          </p:cNvPr>
-          <p:cNvPicPr>
-            <a:picLocks noChangeAspect="1" noChangeArrowheads="1"/>
-          </p:cNvPicPr>
-          <p:nvPr/>
-        </p:nvPicPr>
-        <p:blipFill>
-          <a:blip r:embed="rId13">
-            <a:extLst>
-              <a:ext uri="{28A0092B-C50C-407E-A947-70E740481C1C}">
-                <a14:useLocalDpi xmlns:a14="http://schemas.microsoft.com/office/drawing/2010/main" val="0"/>
-              </a:ext>
-            </a:extLst>
-          </a:blip>
-          <a:srcRect/>
-          <a:stretch>
-            <a:fillRect/>
-          </a:stretch>
-        </p:blipFill>
-        <p:spPr bwMode="auto">
-          <a:xfrm>
-            <a:off x="9068053" y="857486"/>
-            <a:ext cx="924099" cy="614946"/>
-          </a:xfrm>
-          <a:prstGeom prst="rect">
-            <a:avLst/>
-          </a:prstGeom>
-          <a:noFill/>
-          <a:extLst>
-            <a:ext uri="{909E8E84-426E-40DD-AFC4-6F175D3DCCD1}">
-              <a14:hiddenFill xmlns:a14="http://schemas.microsoft.com/office/drawing/2010/main">
-                <a:solidFill>
-                  <a:srgbClr val="FFFFFF"/>
-                </a:solidFill>
-              </a14:hiddenFill>
-            </a:ext>
-          </a:extLst>
-        </p:spPr>
-      </p:pic>
-      <p:pic>
-        <p:nvPicPr>
-          <p:cNvPr id="1066" name="Picture 42" descr="ícone Marca, o google, chrome Livre de LibreICONS">
-            <a:extLst>
-              <a:ext uri="{FF2B5EF4-FFF2-40B4-BE49-F238E27FC236}">
-                <a16:creationId xmlns:a16="http://schemas.microsoft.com/office/drawing/2014/main" id="{53B25ADF-3A02-4470-BFC0-0F924A0793A2}"/>
-              </a:ext>
-            </a:extLst>
-          </p:cNvPr>
-          <p:cNvPicPr>
-            <a:picLocks noChangeAspect="1" noChangeArrowheads="1"/>
-          </p:cNvPicPr>
-          <p:nvPr/>
-        </p:nvPicPr>
-        <p:blipFill>
-          <a:blip r:embed="rId14">
-            <a:extLst>
-              <a:ext uri="{28A0092B-C50C-407E-A947-70E740481C1C}">
-                <a14:useLocalDpi xmlns:a14="http://schemas.microsoft.com/office/drawing/2010/main" val="0"/>
-              </a:ext>
-            </a:extLst>
-          </a:blip>
-          <a:srcRect/>
-          <a:stretch>
-            <a:fillRect/>
-          </a:stretch>
-        </p:blipFill>
-        <p:spPr bwMode="auto">
-          <a:xfrm>
-            <a:off x="9993640" y="864991"/>
-            <a:ext cx="614946" cy="614946"/>
-          </a:xfrm>
-          <a:prstGeom prst="rect">
-            <a:avLst/>
-          </a:prstGeom>
-          <a:noFill/>
-          <a:extLst>
-            <a:ext uri="{909E8E84-426E-40DD-AFC4-6F175D3DCCD1}">
-              <a14:hiddenFill xmlns:a14="http://schemas.microsoft.com/office/drawing/2010/main">
-                <a:solidFill>
-                  <a:srgbClr val="FFFFFF"/>
-                </a:solidFill>
-              </a14:hiddenFill>
-            </a:ext>
-          </a:extLst>
-        </p:spPr>
-      </p:pic>
-      <p:pic>
-        <p:nvPicPr>
-          <p:cNvPr id="1068" name="Picture 44">
-            <a:extLst>
-              <a:ext uri="{FF2B5EF4-FFF2-40B4-BE49-F238E27FC236}">
-                <a16:creationId xmlns:a16="http://schemas.microsoft.com/office/drawing/2014/main" id="{A8DC52F4-6938-4177-928E-A1C1B8CC16A2}"/>
-              </a:ext>
-            </a:extLst>
-          </p:cNvPr>
-          <p:cNvPicPr>
-            <a:picLocks noChangeAspect="1" noChangeArrowheads="1"/>
-          </p:cNvPicPr>
-          <p:nvPr/>
-        </p:nvPicPr>
-        <p:blipFill>
-          <a:blip r:embed="rId15">
-            <a:extLst>
-              <a:ext uri="{28A0092B-C50C-407E-A947-70E740481C1C}">
-                <a14:useLocalDpi xmlns:a14="http://schemas.microsoft.com/office/drawing/2010/main" val="0"/>
-              </a:ext>
-            </a:extLst>
-          </a:blip>
-          <a:srcRect/>
-          <a:stretch>
-            <a:fillRect/>
-          </a:stretch>
-        </p:blipFill>
-        <p:spPr bwMode="auto">
-          <a:xfrm>
-            <a:off x="9221256" y="1479937"/>
-            <a:ext cx="617691" cy="614946"/>
-          </a:xfrm>
-          <a:prstGeom prst="rect">
-            <a:avLst/>
-          </a:prstGeom>
-          <a:noFill/>
-          <a:extLst>
-            <a:ext uri="{909E8E84-426E-40DD-AFC4-6F175D3DCCD1}">
-              <a14:hiddenFill xmlns:a14="http://schemas.microsoft.com/office/drawing/2010/main">
-                <a:solidFill>
-                  <a:srgbClr val="FFFFFF"/>
-                </a:solidFill>
-              </a14:hiddenFill>
-            </a:ext>
-          </a:extLst>
-        </p:spPr>
-      </p:pic>
-      <p:pic>
-        <p:nvPicPr>
-          <p:cNvPr id="1070" name="Picture 46" descr="Ícone de Opera no estilo Fluency">
-            <a:extLst>
-              <a:ext uri="{FF2B5EF4-FFF2-40B4-BE49-F238E27FC236}">
-                <a16:creationId xmlns:a16="http://schemas.microsoft.com/office/drawing/2014/main" id="{40EE7681-20A3-4544-9FD3-7DF8BDE96645}"/>
-              </a:ext>
-            </a:extLst>
-          </p:cNvPr>
-          <p:cNvPicPr>
-            <a:picLocks noChangeAspect="1" noChangeArrowheads="1"/>
-          </p:cNvPicPr>
-          <p:nvPr/>
-        </p:nvPicPr>
-        <p:blipFill>
-          <a:blip r:embed="rId16">
-            <a:extLst>
-              <a:ext uri="{28A0092B-C50C-407E-A947-70E740481C1C}">
-                <a14:useLocalDpi xmlns:a14="http://schemas.microsoft.com/office/drawing/2010/main" val="0"/>
-              </a:ext>
-            </a:extLst>
-          </a:blip>
-          <a:srcRect/>
-          <a:stretch>
-            <a:fillRect/>
-          </a:stretch>
-        </p:blipFill>
-        <p:spPr bwMode="auto">
-          <a:xfrm>
-            <a:off x="9882707" y="1454893"/>
-            <a:ext cx="718070" cy="718070"/>
-          </a:xfrm>
-          <a:prstGeom prst="rect">
-            <a:avLst/>
-          </a:prstGeom>
-          <a:noFill/>
-          <a:extLst>
-            <a:ext uri="{909E8E84-426E-40DD-AFC4-6F175D3DCCD1}">
-              <a14:hiddenFill xmlns:a14="http://schemas.microsoft.com/office/drawing/2010/main">
-                <a:solidFill>
-                  <a:srgbClr val="FFFFFF"/>
-                </a:solidFill>
-              </a14:hiddenFill>
-            </a:ext>
-          </a:extLst>
-        </p:spPr>
-      </p:pic>
-      <p:sp>
-        <p:nvSpPr>
-          <p:cNvPr id="71" name="CaixaDeTexto 70">
-            <a:extLst>
-              <a:ext uri="{FF2B5EF4-FFF2-40B4-BE49-F238E27FC236}">
-                <a16:creationId xmlns:a16="http://schemas.microsoft.com/office/drawing/2014/main" id="{EBE3145C-046D-423C-8B14-4BDC0B43C532}"/>
-              </a:ext>
-            </a:extLst>
-          </p:cNvPr>
-          <p:cNvSpPr txBox="1"/>
-          <p:nvPr/>
-        </p:nvSpPr>
-        <p:spPr>
-          <a:xfrm>
-            <a:off x="6746033" y="358508"/>
-            <a:ext cx="4981984" cy="369332"/>
-          </a:xfrm>
-          <a:prstGeom prst="rect">
-            <a:avLst/>
-          </a:prstGeom>
-          <a:noFill/>
-        </p:spPr>
-        <p:txBody>
-          <a:bodyPr wrap="square" rtlCol="0">
-            <a:spAutoFit/>
-          </a:bodyPr>
-          <a:lstStyle/>
-          <a:p>
-            <a:pPr algn="ctr"/>
-            <a:r>
-              <a:rPr lang="pt-BR" dirty="0"/>
-              <a:t>Cliente/Usuário</a:t>
-            </a:r>
-          </a:p>
-        </p:txBody>
-      </p:sp>
     </p:spTree>
     <p:extLst>
       <p:ext uri="{BB962C8B-B14F-4D97-AF65-F5344CB8AC3E}">

--- a/Documentação/LLD/LLD.pptx
+++ b/Documentação/LLD/LLD.pptx
@@ -112,6 +112,51 @@
 </p:presentation>
 </file>
 
+<file path=ppt/revisionInfo.xml><?xml version="1.0" encoding="utf-8"?>
+<p1510:revInfo xmlns:a="http://schemas.openxmlformats.org/drawingml/2006/main" xmlns:r="http://schemas.openxmlformats.org/officeDocument/2006/relationships" xmlns:p1510="http://schemas.microsoft.com/office/powerpoint/2015/10/main">
+  <p1510:revLst>
+    <p1510:client id="{E6901990-26DD-46E4-9FCB-C226C70B8D34}" v="1" dt="2021-11-11T01:35:52.100"/>
+  </p1510:revLst>
+</p1510:revInfo>
+</file>
+
+<file path=ppt/changesInfos/changesInfo1.xml><?xml version="1.0" encoding="utf-8"?>
+<pc:chgInfo xmlns:a="http://schemas.openxmlformats.org/drawingml/2006/main" xmlns:r="http://schemas.openxmlformats.org/officeDocument/2006/relationships" xmlns:ac="http://schemas.microsoft.com/office/drawing/2013/main/command" xmlns:pc="http://schemas.microsoft.com/office/powerpoint/2013/main/command">
+  <pc:docChgLst>
+    <pc:chgData name="Vinicius Cano" userId="e988c080-1d50-4980-86fe-45a1167ad471" providerId="ADAL" clId="{E6901990-26DD-46E4-9FCB-C226C70B8D34}"/>
+    <pc:docChg chg="custSel modSld">
+      <pc:chgData name="Vinicius Cano" userId="e988c080-1d50-4980-86fe-45a1167ad471" providerId="ADAL" clId="{E6901990-26DD-46E4-9FCB-C226C70B8D34}" dt="2021-11-11T01:35:54.701" v="1" actId="478"/>
+      <pc:docMkLst>
+        <pc:docMk/>
+      </pc:docMkLst>
+      <pc:sldChg chg="delSp mod">
+        <pc:chgData name="Vinicius Cano" userId="e988c080-1d50-4980-86fe-45a1167ad471" providerId="ADAL" clId="{E6901990-26DD-46E4-9FCB-C226C70B8D34}" dt="2021-11-11T01:35:54.701" v="1" actId="478"/>
+        <pc:sldMkLst>
+          <pc:docMk/>
+          <pc:sldMk cId="2948528630" sldId="256"/>
+        </pc:sldMkLst>
+        <pc:spChg chg="del">
+          <ac:chgData name="Vinicius Cano" userId="e988c080-1d50-4980-86fe-45a1167ad471" providerId="ADAL" clId="{E6901990-26DD-46E4-9FCB-C226C70B8D34}" dt="2021-11-11T01:35:54.701" v="1" actId="478"/>
+          <ac:spMkLst>
+            <pc:docMk/>
+            <pc:sldMk cId="2948528630" sldId="256"/>
+            <ac:spMk id="75" creationId="{622B63A5-2DB2-48A1-8A82-F0B1224ACDB1}"/>
+          </ac:spMkLst>
+        </pc:spChg>
+        <pc:picChg chg="del">
+          <ac:chgData name="Vinicius Cano" userId="e988c080-1d50-4980-86fe-45a1167ad471" providerId="ADAL" clId="{E6901990-26DD-46E4-9FCB-C226C70B8D34}" dt="2021-11-11T01:35:52.092" v="0" actId="478"/>
+          <ac:picMkLst>
+            <pc:docMk/>
+            <pc:sldMk cId="2948528630" sldId="256"/>
+            <ac:picMk id="52" creationId="{926F042A-EB90-4156-ADDD-D3D9A85661F2}"/>
+          </ac:picMkLst>
+        </pc:picChg>
+      </pc:sldChg>
+    </pc:docChg>
+  </pc:docChgLst>
+</pc:chgInfo>
+</file>
+
 <file path=ppt/slideLayouts/slideLayout1.xml><?xml version="1.0" encoding="utf-8"?>
 <p:sldLayout xmlns:a="http://schemas.openxmlformats.org/drawingml/2006/main" xmlns:r="http://schemas.openxmlformats.org/officeDocument/2006/relationships" xmlns:p="http://schemas.openxmlformats.org/presentationml/2006/main" type="title" preserve="1">
   <p:cSld name="Slide de Título">
@@ -259,7 +304,7 @@
           <a:p>
             <a:fld id="{BEA87F4E-7538-417F-96B3-6298DAC4B622}" type="datetimeFigureOut">
               <a:rPr lang="pt-BR" smtClean="0"/>
-              <a:t>31/08/2021</a:t>
+              <a:t>10/11/2021</a:t>
             </a:fld>
             <a:endParaRPr lang="pt-BR"/>
           </a:p>
@@ -457,7 +502,7 @@
           <a:p>
             <a:fld id="{BEA87F4E-7538-417F-96B3-6298DAC4B622}" type="datetimeFigureOut">
               <a:rPr lang="pt-BR" smtClean="0"/>
-              <a:t>31/08/2021</a:t>
+              <a:t>10/11/2021</a:t>
             </a:fld>
             <a:endParaRPr lang="pt-BR"/>
           </a:p>
@@ -665,7 +710,7 @@
           <a:p>
             <a:fld id="{BEA87F4E-7538-417F-96B3-6298DAC4B622}" type="datetimeFigureOut">
               <a:rPr lang="pt-BR" smtClean="0"/>
-              <a:t>31/08/2021</a:t>
+              <a:t>10/11/2021</a:t>
             </a:fld>
             <a:endParaRPr lang="pt-BR"/>
           </a:p>
@@ -863,7 +908,7 @@
           <a:p>
             <a:fld id="{BEA87F4E-7538-417F-96B3-6298DAC4B622}" type="datetimeFigureOut">
               <a:rPr lang="pt-BR" smtClean="0"/>
-              <a:t>31/08/2021</a:t>
+              <a:t>10/11/2021</a:t>
             </a:fld>
             <a:endParaRPr lang="pt-BR"/>
           </a:p>
@@ -1138,7 +1183,7 @@
           <a:p>
             <a:fld id="{BEA87F4E-7538-417F-96B3-6298DAC4B622}" type="datetimeFigureOut">
               <a:rPr lang="pt-BR" smtClean="0"/>
-              <a:t>31/08/2021</a:t>
+              <a:t>10/11/2021</a:t>
             </a:fld>
             <a:endParaRPr lang="pt-BR"/>
           </a:p>
@@ -1403,7 +1448,7 @@
           <a:p>
             <a:fld id="{BEA87F4E-7538-417F-96B3-6298DAC4B622}" type="datetimeFigureOut">
               <a:rPr lang="pt-BR" smtClean="0"/>
-              <a:t>31/08/2021</a:t>
+              <a:t>10/11/2021</a:t>
             </a:fld>
             <a:endParaRPr lang="pt-BR"/>
           </a:p>
@@ -1815,7 +1860,7 @@
           <a:p>
             <a:fld id="{BEA87F4E-7538-417F-96B3-6298DAC4B622}" type="datetimeFigureOut">
               <a:rPr lang="pt-BR" smtClean="0"/>
-              <a:t>31/08/2021</a:t>
+              <a:t>10/11/2021</a:t>
             </a:fld>
             <a:endParaRPr lang="pt-BR"/>
           </a:p>
@@ -1956,7 +2001,7 @@
           <a:p>
             <a:fld id="{BEA87F4E-7538-417F-96B3-6298DAC4B622}" type="datetimeFigureOut">
               <a:rPr lang="pt-BR" smtClean="0"/>
-              <a:t>31/08/2021</a:t>
+              <a:t>10/11/2021</a:t>
             </a:fld>
             <a:endParaRPr lang="pt-BR"/>
           </a:p>
@@ -2069,7 +2114,7 @@
           <a:p>
             <a:fld id="{BEA87F4E-7538-417F-96B3-6298DAC4B622}" type="datetimeFigureOut">
               <a:rPr lang="pt-BR" smtClean="0"/>
-              <a:t>31/08/2021</a:t>
+              <a:t>10/11/2021</a:t>
             </a:fld>
             <a:endParaRPr lang="pt-BR"/>
           </a:p>
@@ -2380,7 +2425,7 @@
           <a:p>
             <a:fld id="{BEA87F4E-7538-417F-96B3-6298DAC4B622}" type="datetimeFigureOut">
               <a:rPr lang="pt-BR" smtClean="0"/>
-              <a:t>31/08/2021</a:t>
+              <a:t>10/11/2021</a:t>
             </a:fld>
             <a:endParaRPr lang="pt-BR"/>
           </a:p>
@@ -2668,7 +2713,7 @@
           <a:p>
             <a:fld id="{BEA87F4E-7538-417F-96B3-6298DAC4B622}" type="datetimeFigureOut">
               <a:rPr lang="pt-BR" smtClean="0"/>
-              <a:t>31/08/2021</a:t>
+              <a:t>10/11/2021</a:t>
             </a:fld>
             <a:endParaRPr lang="pt-BR"/>
           </a:p>
@@ -2909,7 +2954,7 @@
           <a:p>
             <a:fld id="{BEA87F4E-7538-417F-96B3-6298DAC4B622}" type="datetimeFigureOut">
               <a:rPr lang="pt-BR" smtClean="0"/>
-              <a:t>31/08/2021</a:t>
+              <a:t>10/11/2021</a:t>
             </a:fld>
             <a:endParaRPr lang="pt-BR"/>
           </a:p>
@@ -4299,111 +4344,6 @@
           </a:extLst>
         </p:spPr>
       </p:pic>
-      <p:pic>
-        <p:nvPicPr>
-          <p:cNvPr id="52" name="Picture 18">
-            <a:extLst>
-              <a:ext uri="{FF2B5EF4-FFF2-40B4-BE49-F238E27FC236}">
-                <a16:creationId xmlns:a16="http://schemas.microsoft.com/office/drawing/2014/main" id="{926F042A-EB90-4156-ADDD-D3D9A85661F2}"/>
-              </a:ext>
-            </a:extLst>
-          </p:cNvPr>
-          <p:cNvPicPr>
-            <a:picLocks noChangeAspect="1" noChangeArrowheads="1"/>
-          </p:cNvPicPr>
-          <p:nvPr/>
-        </p:nvPicPr>
-        <p:blipFill>
-          <a:blip r:embed="rId14">
-            <a:extLst>
-              <a:ext uri="{28A0092B-C50C-407E-A947-70E740481C1C}">
-                <a14:useLocalDpi xmlns:a14="http://schemas.microsoft.com/office/drawing/2010/main" val="0"/>
-              </a:ext>
-            </a:extLst>
-          </a:blip>
-          <a:srcRect/>
-          <a:stretch>
-            <a:fillRect/>
-          </a:stretch>
-        </p:blipFill>
-        <p:spPr bwMode="auto">
-          <a:xfrm>
-            <a:off x="5569078" y="5293009"/>
-            <a:ext cx="849995" cy="849995"/>
-          </a:xfrm>
-          <a:prstGeom prst="rect">
-            <a:avLst/>
-          </a:prstGeom>
-          <a:noFill/>
-          <a:extLst>
-            <a:ext uri="{909E8E84-426E-40DD-AFC4-6F175D3DCCD1}">
-              <a14:hiddenFill xmlns:a14="http://schemas.microsoft.com/office/drawing/2010/main">
-                <a:solidFill>
-                  <a:srgbClr val="FFFFFF"/>
-                </a:solidFill>
-              </a14:hiddenFill>
-            </a:ext>
-          </a:extLst>
-        </p:spPr>
-      </p:pic>
-      <p:sp>
-        <p:nvSpPr>
-          <p:cNvPr id="75" name="Retângulo 74">
-            <a:extLst>
-              <a:ext uri="{FF2B5EF4-FFF2-40B4-BE49-F238E27FC236}">
-                <a16:creationId xmlns:a16="http://schemas.microsoft.com/office/drawing/2014/main" id="{622B63A5-2DB2-48A1-8A82-F0B1224ACDB1}"/>
-              </a:ext>
-            </a:extLst>
-          </p:cNvPr>
-          <p:cNvSpPr/>
-          <p:nvPr/>
-        </p:nvSpPr>
-        <p:spPr>
-          <a:xfrm>
-            <a:off x="6549099" y="5402312"/>
-            <a:ext cx="1074485" cy="740692"/>
-          </a:xfrm>
-          <a:prstGeom prst="rect">
-            <a:avLst/>
-          </a:prstGeom>
-          <a:solidFill>
-            <a:srgbClr val="D8E3E7"/>
-          </a:solidFill>
-          <a:ln w="38100"/>
-        </p:spPr>
-        <p:style>
-          <a:lnRef idx="2">
-            <a:schemeClr val="dk1"/>
-          </a:lnRef>
-          <a:fillRef idx="1">
-            <a:schemeClr val="lt1"/>
-          </a:fillRef>
-          <a:effectRef idx="0">
-            <a:schemeClr val="dk1"/>
-          </a:effectRef>
-          <a:fontRef idx="minor">
-            <a:schemeClr val="dk1"/>
-          </a:fontRef>
-        </p:style>
-        <p:txBody>
-          <a:bodyPr rtlCol="0" anchor="ctr"/>
-          <a:lstStyle/>
-          <a:p>
-            <a:r>
-              <a:rPr lang="pt-BR" sz="1050" dirty="0"/>
-              <a:t>API dos correios para obter os dados dos </a:t>
-            </a:r>
-            <a:r>
-              <a:rPr lang="pt-BR" sz="1050" dirty="0" err="1"/>
-              <a:t>ceps</a:t>
-            </a:r>
-            <a:r>
-              <a:rPr lang="pt-BR" sz="1050" dirty="0"/>
-              <a:t> 	</a:t>
-            </a:r>
-          </a:p>
-        </p:txBody>
-      </p:sp>
       <p:sp>
         <p:nvSpPr>
           <p:cNvPr id="76" name="Retângulo 75">
